--- a/doc/diagrams/StorageComponent.pptx
+++ b/doc/diagrams/StorageComponent.pptx
@@ -196,7 +196,7 @@
             <a:fld id="{AF301891-4E62-472A-98E9-95DBD40531A4}" type="datetimeFigureOut">
               <a:rPr lang="en-SG" smtClean="0"/>
               <a:pPr/>
-              <a:t>4/1/2014</a:t>
+              <a:t>6/5/2014</a:t>
             </a:fld>
             <a:endParaRPr lang="en-SG"/>
           </a:p>
@@ -751,7 +751,7 @@
             <a:fld id="{1D8BD707-D9CF-40AE-B4C6-C98DA3205C09}" type="datetimeFigureOut">
               <a:rPr lang="en-US" smtClean="0"/>
               <a:pPr/>
-              <a:t>1/4/2014</a:t>
+              <a:t>5/6/2014</a:t>
             </a:fld>
             <a:endParaRPr lang="en-US"/>
           </a:p>
@@ -965,7 +965,7 @@
             <a:fld id="{1D8BD707-D9CF-40AE-B4C6-C98DA3205C09}" type="datetimeFigureOut">
               <a:rPr lang="en-US" smtClean="0"/>
               <a:pPr/>
-              <a:t>1/4/2014</a:t>
+              <a:t>5/6/2014</a:t>
             </a:fld>
             <a:endParaRPr lang="en-US"/>
           </a:p>
@@ -1172,7 +1172,7 @@
             <a:fld id="{1D8BD707-D9CF-40AE-B4C6-C98DA3205C09}" type="datetimeFigureOut">
               <a:rPr lang="en-US" smtClean="0"/>
               <a:pPr/>
-              <a:t>1/4/2014</a:t>
+              <a:t>5/6/2014</a:t>
             </a:fld>
             <a:endParaRPr lang="en-US"/>
           </a:p>
@@ -1379,7 +1379,7 @@
             <a:fld id="{1D8BD707-D9CF-40AE-B4C6-C98DA3205C09}" type="datetimeFigureOut">
               <a:rPr lang="en-US" smtClean="0"/>
               <a:pPr/>
-              <a:t>1/4/2014</a:t>
+              <a:t>5/6/2014</a:t>
             </a:fld>
             <a:endParaRPr lang="en-US"/>
           </a:p>
@@ -1652,7 +1652,7 @@
             <a:fld id="{1D8BD707-D9CF-40AE-B4C6-C98DA3205C09}" type="datetimeFigureOut">
               <a:rPr lang="en-US" smtClean="0"/>
               <a:pPr/>
-              <a:t>1/4/2014</a:t>
+              <a:t>5/6/2014</a:t>
             </a:fld>
             <a:endParaRPr lang="en-US"/>
           </a:p>
@@ -1975,7 +1975,7 @@
             <a:fld id="{1D8BD707-D9CF-40AE-B4C6-C98DA3205C09}" type="datetimeFigureOut">
               <a:rPr lang="en-US" smtClean="0"/>
               <a:pPr/>
-              <a:t>1/4/2014</a:t>
+              <a:t>5/6/2014</a:t>
             </a:fld>
             <a:endParaRPr lang="en-US"/>
           </a:p>
@@ -2438,7 +2438,7 @@
             <a:fld id="{1D8BD707-D9CF-40AE-B4C6-C98DA3205C09}" type="datetimeFigureOut">
               <a:rPr lang="en-US" smtClean="0"/>
               <a:pPr/>
-              <a:t>1/4/2014</a:t>
+              <a:t>5/6/2014</a:t>
             </a:fld>
             <a:endParaRPr lang="en-US"/>
           </a:p>
@@ -2585,7 +2585,7 @@
             <a:fld id="{1D8BD707-D9CF-40AE-B4C6-C98DA3205C09}" type="datetimeFigureOut">
               <a:rPr lang="en-US" smtClean="0"/>
               <a:pPr/>
-              <a:t>1/4/2014</a:t>
+              <a:t>5/6/2014</a:t>
             </a:fld>
             <a:endParaRPr lang="en-US"/>
           </a:p>
@@ -2701,7 +2701,7 @@
             <a:fld id="{1D8BD707-D9CF-40AE-B4C6-C98DA3205C09}" type="datetimeFigureOut">
               <a:rPr lang="en-US" smtClean="0"/>
               <a:pPr/>
-              <a:t>1/4/2014</a:t>
+              <a:t>5/6/2014</a:t>
             </a:fld>
             <a:endParaRPr lang="en-US"/>
           </a:p>
@@ -3008,7 +3008,7 @@
             <a:fld id="{1D8BD707-D9CF-40AE-B4C6-C98DA3205C09}" type="datetimeFigureOut">
               <a:rPr lang="en-US" smtClean="0"/>
               <a:pPr/>
-              <a:t>1/4/2014</a:t>
+              <a:t>5/6/2014</a:t>
             </a:fld>
             <a:endParaRPr lang="en-US"/>
           </a:p>
@@ -3291,7 +3291,7 @@
             <a:fld id="{1D8BD707-D9CF-40AE-B4C6-C98DA3205C09}" type="datetimeFigureOut">
               <a:rPr lang="en-US" smtClean="0"/>
               <a:pPr/>
-              <a:t>1/4/2014</a:t>
+              <a:t>5/6/2014</a:t>
             </a:fld>
             <a:endParaRPr lang="en-US"/>
           </a:p>
@@ -3395,7 +3395,7 @@
         <p:spPr>
           <a:xfrm>
             <a:off x="1127126" y="109622"/>
-            <a:ext cx="8462272" cy="6799179"/>
+            <a:ext cx="8462272" cy="7053178"/>
           </a:xfrm>
           <a:prstGeom prst="roundRect">
             <a:avLst>
@@ -3453,7 +3453,7 @@
         </p:nvGrpSpPr>
         <p:grpSpPr>
           <a:xfrm>
-            <a:off x="1279526" y="3540761"/>
+            <a:off x="1279526" y="3830561"/>
             <a:ext cx="8066825" cy="1572182"/>
             <a:chOff x="-4267200" y="1447800"/>
             <a:chExt cx="5410200" cy="1710584"/>
@@ -3600,10 +3600,10 @@
         </p:nvGrpSpPr>
         <p:grpSpPr>
           <a:xfrm>
-            <a:off x="1279526" y="459906"/>
-            <a:ext cx="8066825" cy="2806294"/>
+            <a:off x="1279526" y="425450"/>
+            <a:ext cx="8066825" cy="3200399"/>
             <a:chOff x="-4267200" y="1447800"/>
-            <a:chExt cx="5410200" cy="2476142"/>
+            <a:chExt cx="5410200" cy="2823882"/>
           </a:xfrm>
           <a:solidFill>
             <a:schemeClr val="bg1"/>
@@ -3618,7 +3618,7 @@
           <p:spPr>
             <a:xfrm>
               <a:off x="-4267200" y="1523999"/>
-              <a:ext cx="5410200" cy="2399943"/>
+              <a:ext cx="5410200" cy="2747683"/>
             </a:xfrm>
             <a:prstGeom prst="rect">
               <a:avLst/>
@@ -3738,7 +3738,7 @@
         </p:nvGrpSpPr>
         <p:grpSpPr>
           <a:xfrm>
-            <a:off x="1279526" y="5386458"/>
+            <a:off x="1279526" y="5676258"/>
             <a:ext cx="8066825" cy="1334142"/>
             <a:chOff x="-4267200" y="1447800"/>
             <a:chExt cx="5410200" cy="1177184"/>
@@ -3885,7 +3885,7 @@
         </p:nvCxnSpPr>
         <p:spPr>
           <a:xfrm>
-            <a:off x="7722805" y="7184645"/>
+            <a:off x="6003925" y="7486090"/>
             <a:ext cx="1424147" cy="0"/>
           </a:xfrm>
           <a:prstGeom prst="straightConnector1">
@@ -4265,7 +4265,7 @@
         </p:nvCxnSpPr>
         <p:spPr>
           <a:xfrm>
-            <a:off x="746446" y="4010317"/>
+            <a:off x="746446" y="4315117"/>
             <a:ext cx="520781" cy="1488"/>
           </a:xfrm>
           <a:prstGeom prst="straightConnector1">
@@ -4302,7 +4302,7 @@
         </p:nvSpPr>
         <p:spPr>
           <a:xfrm>
-            <a:off x="3407218" y="3798353"/>
+            <a:off x="3407218" y="4038600"/>
             <a:ext cx="2203409" cy="318459"/>
           </a:xfrm>
           <a:prstGeom prst="rect">
@@ -4346,7 +4346,7 @@
         </p:nvSpPr>
         <p:spPr>
           <a:xfrm>
-            <a:off x="7850735" y="3798353"/>
+            <a:off x="7850735" y="4038600"/>
             <a:ext cx="1429790" cy="318459"/>
           </a:xfrm>
           <a:prstGeom prst="rect">
@@ -4390,7 +4390,7 @@
         </p:nvSpPr>
         <p:spPr>
           <a:xfrm>
-            <a:off x="4229502" y="6077227"/>
+            <a:off x="4229502" y="6229627"/>
             <a:ext cx="1466850" cy="386114"/>
           </a:xfrm>
           <a:prstGeom prst="rect">
@@ -4434,7 +4434,7 @@
         </p:nvSpPr>
         <p:spPr>
           <a:xfrm>
-            <a:off x="1578080" y="6077227"/>
+            <a:off x="1578080" y="6229627"/>
             <a:ext cx="1724025" cy="386114"/>
           </a:xfrm>
           <a:prstGeom prst="rect">
@@ -4478,8 +4478,8 @@
         </p:nvCxnSpPr>
         <p:spPr>
           <a:xfrm flipV="1">
-            <a:off x="3019827" y="5105400"/>
-            <a:ext cx="0" cy="971828"/>
+            <a:off x="3019827" y="5410200"/>
+            <a:ext cx="0" cy="819428"/>
           </a:xfrm>
           <a:prstGeom prst="straightConnector1">
             <a:avLst/>
@@ -4520,7 +4520,7 @@
         </p:nvSpPr>
         <p:spPr>
           <a:xfrm>
-            <a:off x="133752" y="3857917"/>
+            <a:off x="133752" y="4162717"/>
             <a:ext cx="609600" cy="307777"/>
           </a:xfrm>
           <a:prstGeom prst="rect">
@@ -4645,7 +4645,7 @@
         </p:nvCxnSpPr>
         <p:spPr>
           <a:xfrm flipH="1" flipV="1">
-            <a:off x="2654583" y="6768141"/>
+            <a:off x="2654583" y="6629400"/>
             <a:ext cx="1" cy="544082"/>
           </a:xfrm>
           <a:prstGeom prst="straightConnector1">
@@ -4683,7 +4683,7 @@
         </p:nvSpPr>
         <p:spPr>
           <a:xfrm>
-            <a:off x="1746415" y="7312223"/>
+            <a:off x="1746415" y="7173482"/>
             <a:ext cx="1816337" cy="307777"/>
           </a:xfrm>
           <a:prstGeom prst="rect">
@@ -4822,7 +4822,7 @@
         </p:nvSpPr>
         <p:spPr>
           <a:xfrm>
-            <a:off x="6690372" y="1173194"/>
+            <a:off x="6690372" y="1249394"/>
             <a:ext cx="1076146" cy="361770"/>
           </a:xfrm>
           <a:prstGeom prst="rect">
@@ -4866,7 +4866,7 @@
         </p:nvSpPr>
         <p:spPr>
           <a:xfrm>
-            <a:off x="3519383" y="1542472"/>
+            <a:off x="3519383" y="1618672"/>
             <a:ext cx="1204823" cy="361770"/>
           </a:xfrm>
           <a:prstGeom prst="rect">
@@ -4910,8 +4910,8 @@
         </p:nvCxnSpPr>
         <p:spPr>
           <a:xfrm flipV="1">
-            <a:off x="5010552" y="6463341"/>
-            <a:ext cx="1" cy="848882"/>
+            <a:off x="5010552" y="6629400"/>
+            <a:ext cx="0" cy="615757"/>
           </a:xfrm>
           <a:prstGeom prst="straightConnector1">
             <a:avLst/>
@@ -4948,7 +4948,7 @@
         </p:nvSpPr>
         <p:spPr>
           <a:xfrm>
-            <a:off x="4019952" y="7222364"/>
+            <a:off x="4019952" y="7159823"/>
             <a:ext cx="1816337" cy="307777"/>
           </a:xfrm>
           <a:prstGeom prst="rect">
@@ -5071,7 +5071,7 @@
         </p:nvSpPr>
         <p:spPr>
           <a:xfrm>
-            <a:off x="2337340" y="990600"/>
+            <a:off x="2337340" y="1066800"/>
             <a:ext cx="1182043" cy="304800"/>
           </a:xfrm>
           <a:prstGeom prst="rect">
@@ -5115,7 +5115,7 @@
         </p:nvSpPr>
         <p:spPr>
           <a:xfrm>
-            <a:off x="1385864" y="4195518"/>
+            <a:off x="1385864" y="4435765"/>
             <a:ext cx="1722461" cy="318459"/>
           </a:xfrm>
           <a:prstGeom prst="rect">
@@ -5162,7 +5162,7 @@
         </p:nvCxnSpPr>
         <p:spPr>
           <a:xfrm flipV="1">
-            <a:off x="3519383" y="1021969"/>
+            <a:off x="3519383" y="1098169"/>
             <a:ext cx="3357585" cy="121031"/>
           </a:xfrm>
           <a:prstGeom prst="bentConnector4">
@@ -5205,7 +5205,7 @@
         </p:nvSpPr>
         <p:spPr>
           <a:xfrm>
-            <a:off x="3311123" y="1671685"/>
+            <a:off x="3311123" y="1747885"/>
             <a:ext cx="208260" cy="151078"/>
           </a:xfrm>
           <a:prstGeom prst="diamond">
@@ -5248,7 +5248,7 @@
         </p:nvCxnSpPr>
         <p:spPr>
           <a:xfrm rot="16200000" flipV="1">
-            <a:off x="4822281" y="1625283"/>
+            <a:off x="4822281" y="1701483"/>
             <a:ext cx="276315" cy="472464"/>
           </a:xfrm>
           <a:prstGeom prst="bentConnector2">
@@ -5291,7 +5291,7 @@
         </p:nvCxnSpPr>
         <p:spPr>
           <a:xfrm rot="10800000">
-            <a:off x="2928363" y="1295400"/>
+            <a:off x="2928363" y="1371600"/>
             <a:ext cx="382761" cy="451824"/>
           </a:xfrm>
           <a:prstGeom prst="bentConnector2">
@@ -5334,7 +5334,7 @@
         </p:nvCxnSpPr>
         <p:spPr>
           <a:xfrm rot="16200000" flipV="1">
-            <a:off x="7964027" y="1156571"/>
+            <a:off x="7964027" y="1232771"/>
             <a:ext cx="573593" cy="968610"/>
           </a:xfrm>
           <a:prstGeom prst="bentConnector2">
@@ -5379,7 +5379,7 @@
         </p:nvCxnSpPr>
         <p:spPr>
           <a:xfrm rot="5400000" flipH="1" flipV="1">
-            <a:off x="5928390" y="1231960"/>
+            <a:off x="5928390" y="1308160"/>
             <a:ext cx="639863" cy="884102"/>
           </a:xfrm>
           <a:prstGeom prst="bentConnector2">
@@ -5421,7 +5421,7 @@
         </p:nvSpPr>
         <p:spPr>
           <a:xfrm>
-            <a:off x="6630652" y="2662021"/>
+            <a:off x="6630652" y="2738221"/>
             <a:ext cx="1204823" cy="361770"/>
           </a:xfrm>
           <a:prstGeom prst="rect">
@@ -5475,7 +5475,7 @@
         </p:nvCxnSpPr>
         <p:spPr>
           <a:xfrm rot="5400000">
-            <a:off x="8154573" y="2262896"/>
+            <a:off x="8154573" y="2339096"/>
             <a:ext cx="260913" cy="899107"/>
           </a:xfrm>
           <a:prstGeom prst="bentConnector2">
@@ -5517,7 +5517,7 @@
         </p:nvSpPr>
         <p:spPr>
           <a:xfrm>
-            <a:off x="5589002" y="1875415"/>
+            <a:off x="5589002" y="1951615"/>
             <a:ext cx="170709" cy="200457"/>
           </a:xfrm>
           <a:prstGeom prst="rect">
@@ -5559,7 +5559,7 @@
         </p:nvSpPr>
         <p:spPr>
           <a:xfrm>
-            <a:off x="6996788" y="922733"/>
+            <a:off x="6996788" y="998933"/>
             <a:ext cx="170709" cy="200457"/>
           </a:xfrm>
           <a:prstGeom prst="rect">
@@ -5597,8 +5597,8 @@
         </p:nvSpPr>
         <p:spPr>
           <a:xfrm>
-            <a:off x="5880569" y="3803167"/>
-            <a:ext cx="1723556" cy="318459"/>
+            <a:off x="5880569" y="4043414"/>
+            <a:ext cx="1808860" cy="318459"/>
           </a:xfrm>
           <a:prstGeom prst="rect">
             <a:avLst/>
@@ -5641,7 +5641,7 @@
         </p:nvSpPr>
         <p:spPr>
           <a:xfrm>
-            <a:off x="4899968" y="2152072"/>
+            <a:off x="4899968" y="2228272"/>
             <a:ext cx="1219199" cy="361770"/>
           </a:xfrm>
           <a:prstGeom prst="rect">
@@ -5685,7 +5685,7 @@
         </p:nvSpPr>
         <p:spPr>
           <a:xfrm>
-            <a:off x="5124670" y="1999672"/>
+            <a:off x="5124670" y="2075872"/>
             <a:ext cx="144000" cy="144000"/>
           </a:xfrm>
           <a:prstGeom prst="diamond">
@@ -5725,7 +5725,7 @@
         </p:nvSpPr>
         <p:spPr>
           <a:xfrm>
-            <a:off x="5734270" y="1993942"/>
+            <a:off x="5734270" y="2070142"/>
             <a:ext cx="144000" cy="144000"/>
           </a:xfrm>
           <a:prstGeom prst="diamond">
@@ -5767,7 +5767,7 @@
         </p:nvCxnSpPr>
         <p:spPr>
           <a:xfrm rot="16200000" flipH="1">
-            <a:off x="6079655" y="2382442"/>
+            <a:off x="6079655" y="2458642"/>
             <a:ext cx="253684" cy="848310"/>
           </a:xfrm>
           <a:prstGeom prst="bentConnector2">
@@ -5809,7 +5809,7 @@
         </p:nvSpPr>
         <p:spPr>
           <a:xfrm>
-            <a:off x="8128179" y="2076223"/>
+            <a:off x="8128179" y="2152423"/>
             <a:ext cx="1076146" cy="361770"/>
           </a:xfrm>
           <a:prstGeom prst="rect">
@@ -5853,7 +5853,7 @@
         </p:nvSpPr>
         <p:spPr>
           <a:xfrm>
-            <a:off x="5710342" y="2535755"/>
+            <a:off x="5710342" y="2611955"/>
             <a:ext cx="144000" cy="144000"/>
           </a:xfrm>
           <a:prstGeom prst="diamond">
@@ -5893,7 +5893,7 @@
         </p:nvSpPr>
         <p:spPr>
           <a:xfrm>
-            <a:off x="5858049" y="2692672"/>
+            <a:off x="5858049" y="2768872"/>
             <a:ext cx="170709" cy="200457"/>
           </a:xfrm>
           <a:prstGeom prst="rect">
@@ -5935,7 +5935,7 @@
         </p:nvSpPr>
         <p:spPr>
           <a:xfrm>
-            <a:off x="8267038" y="1801169"/>
+            <a:off x="8267038" y="1877369"/>
             <a:ext cx="170709" cy="200457"/>
           </a:xfrm>
           <a:prstGeom prst="rect">
@@ -5977,7 +5977,7 @@
         </p:nvSpPr>
         <p:spPr>
           <a:xfrm>
-            <a:off x="8535786" y="2461564"/>
+            <a:off x="8535786" y="2537764"/>
             <a:ext cx="170709" cy="200457"/>
           </a:xfrm>
           <a:prstGeom prst="rect">
@@ -6019,7 +6019,7 @@
         </p:nvSpPr>
         <p:spPr>
           <a:xfrm>
-            <a:off x="7853065" y="4178347"/>
+            <a:off x="7853065" y="4418594"/>
             <a:ext cx="1427459" cy="318459"/>
           </a:xfrm>
           <a:prstGeom prst="rect">
@@ -6063,7 +6063,7 @@
         </p:nvSpPr>
         <p:spPr>
           <a:xfrm>
-            <a:off x="7853065" y="4558341"/>
+            <a:off x="7853065" y="4798588"/>
             <a:ext cx="1427459" cy="318459"/>
           </a:xfrm>
           <a:prstGeom prst="rect">
@@ -6107,7 +6107,7 @@
         </p:nvSpPr>
         <p:spPr>
           <a:xfrm>
-            <a:off x="3519383" y="2662021"/>
+            <a:off x="3519383" y="2738221"/>
             <a:ext cx="1204823" cy="461539"/>
           </a:xfrm>
           <a:prstGeom prst="rect">
@@ -6158,7 +6158,7 @@
         </p:nvSpPr>
         <p:spPr>
           <a:xfrm>
-            <a:off x="2498725" y="2075872"/>
+            <a:off x="2498725" y="2152072"/>
             <a:ext cx="1182043" cy="446919"/>
           </a:xfrm>
           <a:prstGeom prst="rect">
@@ -6209,7 +6209,7 @@
         </p:nvSpPr>
         <p:spPr>
           <a:xfrm>
-            <a:off x="3311123" y="2891003"/>
+            <a:off x="3311123" y="2967203"/>
             <a:ext cx="208260" cy="151078"/>
           </a:xfrm>
           <a:prstGeom prst="diamond">
@@ -6252,7 +6252,7 @@
         </p:nvCxnSpPr>
         <p:spPr>
           <a:xfrm rot="5400000">
-            <a:off x="4852387" y="2548507"/>
+            <a:off x="4852387" y="2624707"/>
             <a:ext cx="216103" cy="472464"/>
           </a:xfrm>
           <a:prstGeom prst="bentConnector2">
@@ -6297,7 +6297,7 @@
         </p:nvCxnSpPr>
         <p:spPr>
           <a:xfrm rot="10800000">
-            <a:off x="3089747" y="2522792"/>
+            <a:off x="3089747" y="2598992"/>
             <a:ext cx="221376" cy="443751"/>
           </a:xfrm>
           <a:prstGeom prst="bentConnector2">
@@ -6339,7 +6339,7 @@
         </p:nvSpPr>
         <p:spPr>
           <a:xfrm>
-            <a:off x="5124670" y="2532688"/>
+            <a:off x="5124670" y="2608888"/>
             <a:ext cx="144000" cy="144000"/>
           </a:xfrm>
           <a:prstGeom prst="diamond">
@@ -6379,7 +6379,7 @@
         </p:nvSpPr>
         <p:spPr>
           <a:xfrm>
-            <a:off x="1431925" y="1542472"/>
+            <a:off x="1431925" y="1618672"/>
             <a:ext cx="1182043" cy="446919"/>
           </a:xfrm>
           <a:prstGeom prst="rect">
@@ -6430,7 +6430,7 @@
         </p:nvSpPr>
         <p:spPr>
           <a:xfrm>
-            <a:off x="2260676" y="2281403"/>
+            <a:off x="2260676" y="2357603"/>
             <a:ext cx="208260" cy="151078"/>
           </a:xfrm>
           <a:prstGeom prst="diamond">
@@ -6473,7 +6473,7 @@
         </p:nvCxnSpPr>
         <p:spPr>
           <a:xfrm rot="10800000">
-            <a:off x="2022948" y="1989392"/>
+            <a:off x="2022948" y="2065592"/>
             <a:ext cx="237729" cy="367551"/>
           </a:xfrm>
           <a:prstGeom prst="bentConnector2">
@@ -6515,7 +6515,7 @@
         </p:nvSpPr>
         <p:spPr>
           <a:xfrm>
-            <a:off x="1397697" y="3798353"/>
+            <a:off x="1397697" y="4038600"/>
             <a:ext cx="1704080" cy="318459"/>
           </a:xfrm>
           <a:prstGeom prst="rect">
@@ -6559,7 +6559,7 @@
         </p:nvSpPr>
         <p:spPr>
           <a:xfrm>
-            <a:off x="3407218" y="4171520"/>
+            <a:off x="3407218" y="4411767"/>
             <a:ext cx="2203409" cy="318459"/>
           </a:xfrm>
           <a:prstGeom prst="rect">
@@ -6603,7 +6603,7 @@
         </p:nvSpPr>
         <p:spPr>
           <a:xfrm>
-            <a:off x="3407218" y="4546694"/>
+            <a:off x="3407218" y="4786941"/>
             <a:ext cx="2203409" cy="318459"/>
           </a:xfrm>
           <a:prstGeom prst="rect">
@@ -6647,7 +6647,7 @@
         </p:nvCxnSpPr>
         <p:spPr>
           <a:xfrm>
-            <a:off x="3019827" y="3276600"/>
+            <a:off x="3019827" y="3581400"/>
             <a:ext cx="0" cy="323572"/>
           </a:xfrm>
           <a:prstGeom prst="straightConnector1">
@@ -6689,7 +6689,7 @@
         </p:nvSpPr>
         <p:spPr>
           <a:xfrm>
-            <a:off x="8663128" y="1927672"/>
+            <a:off x="8663128" y="2003872"/>
             <a:ext cx="144000" cy="144000"/>
           </a:xfrm>
           <a:prstGeom prst="diamond">
@@ -6729,7 +6729,7 @@
         </p:nvSpPr>
         <p:spPr>
           <a:xfrm>
-            <a:off x="8662582" y="2437993"/>
+            <a:off x="8662582" y="2514193"/>
             <a:ext cx="144000" cy="144000"/>
           </a:xfrm>
           <a:prstGeom prst="diamond">
@@ -6769,7 +6769,7 @@
         </p:nvSpPr>
         <p:spPr>
           <a:xfrm>
-            <a:off x="6804968" y="1021969"/>
+            <a:off x="6804968" y="1098169"/>
             <a:ext cx="144000" cy="144000"/>
           </a:xfrm>
           <a:prstGeom prst="diamond">
@@ -6809,7 +6809,7 @@
         </p:nvSpPr>
         <p:spPr>
           <a:xfrm>
-            <a:off x="7604075" y="914400"/>
+            <a:off x="7604075" y="990600"/>
             <a:ext cx="170709" cy="200457"/>
           </a:xfrm>
           <a:prstGeom prst="rect">
@@ -6851,7 +6851,7 @@
         </p:nvSpPr>
         <p:spPr>
           <a:xfrm>
-            <a:off x="7412255" y="1013636"/>
+            <a:off x="7412255" y="1089836"/>
             <a:ext cx="144000" cy="144000"/>
           </a:xfrm>
           <a:prstGeom prst="diamond">
@@ -6894,7 +6894,7 @@
         </p:nvCxnSpPr>
         <p:spPr>
           <a:xfrm rot="16200000" flipH="1" flipV="1">
-            <a:off x="4489183" y="-1452600"/>
+            <a:off x="4489183" y="-1376400"/>
             <a:ext cx="528836" cy="5461308"/>
           </a:xfrm>
           <a:prstGeom prst="bentConnector3">
@@ -6938,7 +6938,7 @@
         </p:nvSpPr>
         <p:spPr>
           <a:xfrm>
-            <a:off x="4917263" y="1875415"/>
+            <a:off x="4917263" y="1951615"/>
             <a:ext cx="170709" cy="200457"/>
           </a:xfrm>
           <a:prstGeom prst="rect">
@@ -6976,7 +6976,7 @@
         </p:nvSpPr>
         <p:spPr>
           <a:xfrm>
-            <a:off x="4910269" y="2592443"/>
+            <a:off x="4910269" y="2668643"/>
             <a:ext cx="170709" cy="200457"/>
           </a:xfrm>
           <a:prstGeom prst="rect">
@@ -7018,7 +7018,7 @@
         </p:nvSpPr>
         <p:spPr>
           <a:xfrm>
-            <a:off x="6624903" y="1981200"/>
+            <a:off x="6624903" y="2057400"/>
             <a:ext cx="1204823" cy="361770"/>
           </a:xfrm>
           <a:prstGeom prst="rect">
@@ -7078,7 +7078,7 @@
         </p:nvCxnSpPr>
         <p:spPr>
           <a:xfrm flipV="1">
-            <a:off x="6119167" y="2162085"/>
+            <a:off x="6119167" y="2238285"/>
             <a:ext cx="505736" cy="170872"/>
           </a:xfrm>
           <a:prstGeom prst="bentConnector3">
@@ -7125,7 +7125,7 @@
         </p:nvCxnSpPr>
         <p:spPr>
           <a:xfrm rot="5400000">
-            <a:off x="7004762" y="1757517"/>
+            <a:off x="7004762" y="1833717"/>
             <a:ext cx="446236" cy="1130"/>
           </a:xfrm>
           <a:prstGeom prst="bentConnector3">
@@ -7172,7 +7172,7 @@
         </p:nvCxnSpPr>
         <p:spPr>
           <a:xfrm rot="16200000" flipV="1">
-            <a:off x="7070665" y="2499621"/>
+            <a:off x="7070665" y="2575821"/>
             <a:ext cx="319051" cy="5749"/>
           </a:xfrm>
           <a:prstGeom prst="bentConnector3">
@@ -7216,7 +7216,7 @@
         </p:nvSpPr>
         <p:spPr>
           <a:xfrm>
-            <a:off x="7381766" y="1565992"/>
+            <a:off x="7381766" y="1642192"/>
             <a:ext cx="170709" cy="200457"/>
           </a:xfrm>
           <a:prstGeom prst="rect">
@@ -7258,7 +7258,7 @@
         </p:nvSpPr>
         <p:spPr>
           <a:xfrm>
-            <a:off x="6969871" y="2422563"/>
+            <a:off x="6969871" y="2498763"/>
             <a:ext cx="170709" cy="200457"/>
           </a:xfrm>
           <a:prstGeom prst="rect">
@@ -7300,7 +7300,7 @@
         </p:nvSpPr>
         <p:spPr>
           <a:xfrm>
-            <a:off x="6162966" y="2002788"/>
+            <a:off x="6162966" y="2078988"/>
             <a:ext cx="170709" cy="200457"/>
           </a:xfrm>
           <a:prstGeom prst="rect">
@@ -7342,8 +7342,8 @@
         </p:nvSpPr>
         <p:spPr>
           <a:xfrm>
-            <a:off x="5880569" y="4247761"/>
-            <a:ext cx="1723556" cy="318459"/>
+            <a:off x="5880569" y="4431247"/>
+            <a:ext cx="1808860" cy="318459"/>
           </a:xfrm>
           <a:prstGeom prst="rect">
             <a:avLst/>
@@ -7385,6 +7385,231 @@
             <a:pPr algn="ctr"/>
             <a:r>
               <a:rPr lang="en-US" sz="1600" b="1" dirty="0" err="1"/>
+              <a:t>CommentsDb</a:t>
+            </a:r>
+            <a:endParaRPr lang="en-SG" sz="1600" b="1" dirty="0"/>
+          </a:p>
+        </p:txBody>
+      </p:sp>
+      <p:sp>
+        <p:nvSpPr>
+          <p:cNvPr id="68" name="Rectangle 67"/>
+          <p:cNvSpPr/>
+          <p:nvPr/>
+        </p:nvSpPr>
+        <p:spPr>
+          <a:xfrm>
+            <a:off x="1449761" y="2694220"/>
+            <a:ext cx="1478600" cy="774952"/>
+          </a:xfrm>
+          <a:prstGeom prst="rect">
+            <a:avLst/>
+          </a:prstGeom>
+          <a:solidFill>
+            <a:schemeClr val="accent3">
+              <a:lumMod val="75000"/>
+            </a:schemeClr>
+          </a:solidFill>
+          <a:ln>
+            <a:solidFill>
+              <a:schemeClr val="accent3">
+                <a:lumMod val="50000"/>
+              </a:schemeClr>
+            </a:solidFill>
+          </a:ln>
+          <a:effectLst/>
+        </p:spPr>
+        <p:style>
+          <a:lnRef idx="2">
+            <a:schemeClr val="accent6">
+              <a:shade val="50000"/>
+            </a:schemeClr>
+          </a:lnRef>
+          <a:fillRef idx="1">
+            <a:schemeClr val="accent6"/>
+          </a:fillRef>
+          <a:effectRef idx="0">
+            <a:schemeClr val="accent6"/>
+          </a:effectRef>
+          <a:fontRef idx="minor">
+            <a:schemeClr val="lt1"/>
+          </a:fontRef>
+        </p:style>
+        <p:txBody>
+          <a:bodyPr rtlCol="0" anchor="ctr"/>
+          <a:lstStyle/>
+          <a:p>
+            <a:pPr algn="ctr"/>
+            <a:r>
+              <a:rPr lang="en-US" sz="1600" b="1" dirty="0" smtClean="0"/>
+              <a:t>Feedback</a:t>
+            </a:r>
+            <a:br>
+              <a:rPr lang="en-US" sz="1600" b="1" dirty="0" smtClean="0"/>
+            </a:br>
+            <a:r>
+              <a:rPr lang="en-US" sz="1600" b="1" dirty="0" smtClean="0"/>
+              <a:t>Response</a:t>
+            </a:r>
+            <a:br>
+              <a:rPr lang="en-US" sz="1600" b="1" dirty="0" smtClean="0"/>
+            </a:br>
+            <a:r>
+              <a:rPr lang="en-US" sz="1600" b="1" dirty="0" smtClean="0"/>
+              <a:t>Comment</a:t>
+            </a:r>
+            <a:endParaRPr lang="en-SG" sz="1600" b="1" dirty="0"/>
+          </a:p>
+        </p:txBody>
+      </p:sp>
+      <p:cxnSp>
+        <p:nvCxnSpPr>
+          <p:cNvPr id="132" name="Elbow Connector 131"/>
+          <p:cNvCxnSpPr/>
+          <p:nvPr/>
+        </p:nvCxnSpPr>
+        <p:spPr>
+          <a:xfrm rot="5400000">
+            <a:off x="1273886" y="2387546"/>
+            <a:ext cx="616998" cy="6350"/>
+          </a:xfrm>
+          <a:prstGeom prst="bentConnector3">
+            <a:avLst>
+              <a:gd name="adj1" fmla="val 50000"/>
+            </a:avLst>
+          </a:prstGeom>
+          <a:ln w="57150" cmpd="dbl">
+            <a:solidFill>
+              <a:schemeClr val="accent3">
+                <a:lumMod val="50000"/>
+              </a:schemeClr>
+            </a:solidFill>
+            <a:prstDash val="solid"/>
+            <a:headEnd type="triangle" w="med" len="med"/>
+            <a:tailEnd type="none" w="med" len="med"/>
+          </a:ln>
+        </p:spPr>
+        <p:style>
+          <a:lnRef idx="2">
+            <a:schemeClr val="accent6">
+              <a:shade val="50000"/>
+            </a:schemeClr>
+          </a:lnRef>
+          <a:fillRef idx="1">
+            <a:schemeClr val="accent6"/>
+          </a:fillRef>
+          <a:effectRef idx="0">
+            <a:schemeClr val="accent6"/>
+          </a:effectRef>
+          <a:fontRef idx="minor">
+            <a:schemeClr val="lt1"/>
+          </a:fontRef>
+        </p:style>
+      </p:cxnSp>
+      <p:sp>
+        <p:nvSpPr>
+          <p:cNvPr id="133" name="TextBox 132"/>
+          <p:cNvSpPr txBox="1"/>
+          <p:nvPr/>
+        </p:nvSpPr>
+        <p:spPr>
+          <a:xfrm>
+            <a:off x="1732531" y="2106900"/>
+            <a:ext cx="170709" cy="200457"/>
+          </a:xfrm>
+          <a:prstGeom prst="rect">
+            <a:avLst/>
+          </a:prstGeom>
+          <a:noFill/>
+        </p:spPr>
+        <p:txBody>
+          <a:bodyPr wrap="square" lIns="0" tIns="0" rIns="0" bIns="0" rtlCol="0" anchor="ctr" anchorCtr="0">
+            <a:noAutofit/>
+          </a:bodyPr>
+          <a:lstStyle/>
+          <a:p>
+            <a:r>
+              <a:rPr lang="en-US" sz="1600" dirty="0">
+                <a:solidFill>
+                  <a:schemeClr val="accent3">
+                    <a:lumMod val="50000"/>
+                  </a:schemeClr>
+                </a:solidFill>
+              </a:rPr>
+              <a:t>1</a:t>
+            </a:r>
+            <a:endParaRPr lang="en-SG" sz="1600" dirty="0">
+              <a:solidFill>
+                <a:schemeClr val="accent3">
+                  <a:lumMod val="50000"/>
+                </a:schemeClr>
+              </a:solidFill>
+            </a:endParaRPr>
+          </a:p>
+        </p:txBody>
+      </p:sp>
+      <p:sp>
+        <p:nvSpPr>
+          <p:cNvPr id="138" name="Rectangle 137"/>
+          <p:cNvSpPr/>
+          <p:nvPr/>
+        </p:nvSpPr>
+        <p:spPr>
+          <a:xfrm>
+            <a:off x="5880569" y="4817731"/>
+            <a:ext cx="1808860" cy="476157"/>
+          </a:xfrm>
+          <a:prstGeom prst="rect">
+            <a:avLst/>
+          </a:prstGeom>
+          <a:solidFill>
+            <a:schemeClr val="accent3">
+              <a:lumMod val="75000"/>
+            </a:schemeClr>
+          </a:solidFill>
+          <a:ln>
+            <a:solidFill>
+              <a:schemeClr val="accent3">
+                <a:lumMod val="50000"/>
+              </a:schemeClr>
+            </a:solidFill>
+          </a:ln>
+          <a:effectLst/>
+        </p:spPr>
+        <p:style>
+          <a:lnRef idx="2">
+            <a:schemeClr val="accent6">
+              <a:shade val="50000"/>
+            </a:schemeClr>
+          </a:lnRef>
+          <a:fillRef idx="1">
+            <a:schemeClr val="accent6"/>
+          </a:fillRef>
+          <a:effectRef idx="0">
+            <a:schemeClr val="accent6"/>
+          </a:effectRef>
+          <a:fontRef idx="minor">
+            <a:schemeClr val="lt1"/>
+          </a:fontRef>
+        </p:style>
+        <p:txBody>
+          <a:bodyPr rtlCol="0" anchor="ctr"/>
+          <a:lstStyle/>
+          <a:p>
+            <a:pPr algn="ctr"/>
+            <a:r>
+              <a:rPr lang="en-US" sz="1600" b="1" dirty="0" err="1" smtClean="0"/>
+              <a:t>FeedbackResponse</a:t>
+            </a:r>
+            <a:r>
+              <a:rPr lang="en-US" sz="1600" b="1" dirty="0" smtClean="0"/>
+              <a:t/>
+            </a:r>
+            <a:br>
+              <a:rPr lang="en-US" sz="1600" b="1" dirty="0" smtClean="0"/>
+            </a:br>
+            <a:r>
+              <a:rPr lang="en-US" sz="1600" b="1" dirty="0" err="1" smtClean="0"/>
               <a:t>CommentsDb</a:t>
             </a:r>
             <a:endParaRPr lang="en-SG" sz="1600" b="1" dirty="0"/>

--- a/doc/diagrams/StorageComponent.pptx
+++ b/doc/diagrams/StorageComponent.pptx
@@ -7,13 +7,16 @@
   <p:notesMasterIdLst>
     <p:notesMasterId r:id="rId3"/>
   </p:notesMasterIdLst>
+  <p:handoutMasterIdLst>
+    <p:handoutMasterId r:id="rId4"/>
+  </p:handoutMasterIdLst>
   <p:sldIdLst>
     <p:sldId id="256" r:id="rId2"/>
   </p:sldIdLst>
   <p:sldSz cx="9721850" cy="7772400"/>
   <p:notesSz cx="6858000" cy="9144000"/>
   <p:custDataLst>
-    <p:tags r:id="rId4"/>
+    <p:tags r:id="rId5"/>
   </p:custDataLst>
   <p:defaultTextStyle>
     <a:defPPr>
@@ -110,7 +113,191 @@
       </a:defRPr>
     </a:lvl9pPr>
   </p:defaultTextStyle>
+  <p:extLst>
+    <p:ext uri="{EFAFB233-063F-42B5-8137-9DF3F51BA10A}">
+      <p15:sldGuideLst xmlns:p15="http://schemas.microsoft.com/office/powerpoint/2012/main">
+        <p15:guide id="1" orient="horz" pos="2448">
+          <p15:clr>
+            <a:srgbClr val="A4A3A4"/>
+          </p15:clr>
+        </p15:guide>
+        <p15:guide id="2" pos="3062">
+          <p15:clr>
+            <a:srgbClr val="A4A3A4"/>
+          </p15:clr>
+        </p15:guide>
+      </p15:sldGuideLst>
+    </p:ext>
+    <p:ext uri="{2D200454-40CA-4A62-9FC3-DE9A4176ACB9}">
+      <p15:notesGuideLst xmlns:p15="http://schemas.microsoft.com/office/powerpoint/2012/main"/>
+    </p:ext>
+  </p:extLst>
 </p:presentation>
+</file>
+
+<file path=ppt/handoutMasters/handoutMaster1.xml><?xml version="1.0" encoding="utf-8"?>
+<p:handoutMaster xmlns:a="http://schemas.openxmlformats.org/drawingml/2006/main" xmlns:r="http://schemas.openxmlformats.org/officeDocument/2006/relationships" xmlns:p="http://schemas.openxmlformats.org/presentationml/2006/main">
+  <p:cSld>
+    <p:bg>
+      <p:bgRef idx="1001">
+        <a:schemeClr val="bg1"/>
+      </p:bgRef>
+    </p:bg>
+    <p:spTree>
+      <p:nvGrpSpPr>
+        <p:cNvPr id="1" name=""/>
+        <p:cNvGrpSpPr/>
+        <p:nvPr/>
+      </p:nvGrpSpPr>
+      <p:grpSpPr>
+        <a:xfrm>
+          <a:off x="0" y="0"/>
+          <a:ext cx="0" cy="0"/>
+          <a:chOff x="0" y="0"/>
+          <a:chExt cx="0" cy="0"/>
+        </a:xfrm>
+      </p:grpSpPr>
+      <p:sp>
+        <p:nvSpPr>
+          <p:cNvPr id="2" name="Header Placeholder 1"/>
+          <p:cNvSpPr>
+            <a:spLocks noGrp="1"/>
+          </p:cNvSpPr>
+          <p:nvPr>
+            <p:ph type="hdr" sz="quarter"/>
+          </p:nvPr>
+        </p:nvSpPr>
+        <p:spPr>
+          <a:xfrm>
+            <a:off x="0" y="0"/>
+            <a:ext cx="2971800" cy="458788"/>
+          </a:xfrm>
+          <a:prstGeom prst="rect">
+            <a:avLst/>
+          </a:prstGeom>
+        </p:spPr>
+        <p:txBody>
+          <a:bodyPr vert="horz" lIns="91440" tIns="45720" rIns="91440" bIns="45720" rtlCol="0"/>
+          <a:lstStyle>
+            <a:lvl1pPr algn="l">
+              <a:defRPr sz="1200"/>
+            </a:lvl1pPr>
+          </a:lstStyle>
+          <a:p>
+            <a:endParaRPr lang="en-AU"/>
+          </a:p>
+        </p:txBody>
+      </p:sp>
+      <p:sp>
+        <p:nvSpPr>
+          <p:cNvPr id="3" name="Date Placeholder 2"/>
+          <p:cNvSpPr>
+            <a:spLocks noGrp="1"/>
+          </p:cNvSpPr>
+          <p:nvPr>
+            <p:ph type="dt" sz="quarter" idx="1"/>
+          </p:nvPr>
+        </p:nvSpPr>
+        <p:spPr>
+          <a:xfrm>
+            <a:off x="3884613" y="0"/>
+            <a:ext cx="2971800" cy="458788"/>
+          </a:xfrm>
+          <a:prstGeom prst="rect">
+            <a:avLst/>
+          </a:prstGeom>
+        </p:spPr>
+        <p:txBody>
+          <a:bodyPr vert="horz" lIns="91440" tIns="45720" rIns="91440" bIns="45720" rtlCol="0"/>
+          <a:lstStyle>
+            <a:lvl1pPr algn="r">
+              <a:defRPr sz="1200"/>
+            </a:lvl1pPr>
+          </a:lstStyle>
+          <a:p>
+            <a:fld id="{41BD1D1A-6182-4434-B651-E6786C99D69D}" type="datetimeFigureOut">
+              <a:rPr lang="en-AU" smtClean="0"/>
+              <a:t>20/03/2016</a:t>
+            </a:fld>
+            <a:endParaRPr lang="en-AU"/>
+          </a:p>
+        </p:txBody>
+      </p:sp>
+      <p:sp>
+        <p:nvSpPr>
+          <p:cNvPr id="4" name="Footer Placeholder 3"/>
+          <p:cNvSpPr>
+            <a:spLocks noGrp="1"/>
+          </p:cNvSpPr>
+          <p:nvPr>
+            <p:ph type="ftr" sz="quarter" idx="2"/>
+          </p:nvPr>
+        </p:nvSpPr>
+        <p:spPr>
+          <a:xfrm>
+            <a:off x="0" y="8685213"/>
+            <a:ext cx="2971800" cy="458787"/>
+          </a:xfrm>
+          <a:prstGeom prst="rect">
+            <a:avLst/>
+          </a:prstGeom>
+        </p:spPr>
+        <p:txBody>
+          <a:bodyPr vert="horz" lIns="91440" tIns="45720" rIns="91440" bIns="45720" rtlCol="0" anchor="b"/>
+          <a:lstStyle>
+            <a:lvl1pPr algn="l">
+              <a:defRPr sz="1200"/>
+            </a:lvl1pPr>
+          </a:lstStyle>
+          <a:p>
+            <a:endParaRPr lang="en-AU"/>
+          </a:p>
+        </p:txBody>
+      </p:sp>
+      <p:sp>
+        <p:nvSpPr>
+          <p:cNvPr id="5" name="Slide Number Placeholder 4"/>
+          <p:cNvSpPr>
+            <a:spLocks noGrp="1"/>
+          </p:cNvSpPr>
+          <p:nvPr>
+            <p:ph type="sldNum" sz="quarter" idx="3"/>
+          </p:nvPr>
+        </p:nvSpPr>
+        <p:spPr>
+          <a:xfrm>
+            <a:off x="3884613" y="8685213"/>
+            <a:ext cx="2971800" cy="458787"/>
+          </a:xfrm>
+          <a:prstGeom prst="rect">
+            <a:avLst/>
+          </a:prstGeom>
+        </p:spPr>
+        <p:txBody>
+          <a:bodyPr vert="horz" lIns="91440" tIns="45720" rIns="91440" bIns="45720" rtlCol="0" anchor="b"/>
+          <a:lstStyle>
+            <a:lvl1pPr algn="r">
+              <a:defRPr sz="1200"/>
+            </a:lvl1pPr>
+          </a:lstStyle>
+          <a:p>
+            <a:fld id="{56A544BA-C769-4ACA-84AC-25C2BCAD09D8}" type="slidenum">
+              <a:rPr lang="en-AU" smtClean="0"/>
+              <a:t>‹#›</a:t>
+            </a:fld>
+            <a:endParaRPr lang="en-AU"/>
+          </a:p>
+        </p:txBody>
+      </p:sp>
+    </p:spTree>
+    <p:extLst>
+      <p:ext uri="{BB962C8B-B14F-4D97-AF65-F5344CB8AC3E}">
+        <p14:creationId xmlns:p14="http://schemas.microsoft.com/office/powerpoint/2010/main" val="2719134655"/>
+      </p:ext>
+    </p:extLst>
+  </p:cSld>
+  <p:clrMap bg1="lt1" tx1="dk1" bg2="lt2" tx2="dk2" accent1="accent1" accent2="accent2" accent3="accent3" accent4="accent4" accent5="accent5" accent6="accent6" hlink="hlink" folHlink="folHlink"/>
+</p:handoutMaster>
 </file>
 
 <file path=ppt/notesMasters/notesMaster1.xml><?xml version="1.0" encoding="utf-8"?>
@@ -196,7 +383,7 @@
             <a:fld id="{AF301891-4E62-472A-98E9-95DBD40531A4}" type="datetimeFigureOut">
               <a:rPr lang="en-SG" smtClean="0"/>
               <a:pPr/>
-              <a:t>6/5/2014</a:t>
+              <a:t>20/3/2016</a:t>
             </a:fld>
             <a:endParaRPr lang="en-SG"/>
           </a:p>
@@ -751,7 +938,7 @@
             <a:fld id="{1D8BD707-D9CF-40AE-B4C6-C98DA3205C09}" type="datetimeFigureOut">
               <a:rPr lang="en-US" smtClean="0"/>
               <a:pPr/>
-              <a:t>5/6/2014</a:t>
+              <a:t>3/20/2016</a:t>
             </a:fld>
             <a:endParaRPr lang="en-US"/>
           </a:p>
@@ -965,7 +1152,7 @@
             <a:fld id="{1D8BD707-D9CF-40AE-B4C6-C98DA3205C09}" type="datetimeFigureOut">
               <a:rPr lang="en-US" smtClean="0"/>
               <a:pPr/>
-              <a:t>5/6/2014</a:t>
+              <a:t>3/20/2016</a:t>
             </a:fld>
             <a:endParaRPr lang="en-US"/>
           </a:p>
@@ -1172,7 +1359,7 @@
             <a:fld id="{1D8BD707-D9CF-40AE-B4C6-C98DA3205C09}" type="datetimeFigureOut">
               <a:rPr lang="en-US" smtClean="0"/>
               <a:pPr/>
-              <a:t>5/6/2014</a:t>
+              <a:t>3/20/2016</a:t>
             </a:fld>
             <a:endParaRPr lang="en-US"/>
           </a:p>
@@ -1379,7 +1566,7 @@
             <a:fld id="{1D8BD707-D9CF-40AE-B4C6-C98DA3205C09}" type="datetimeFigureOut">
               <a:rPr lang="en-US" smtClean="0"/>
               <a:pPr/>
-              <a:t>5/6/2014</a:t>
+              <a:t>3/20/2016</a:t>
             </a:fld>
             <a:endParaRPr lang="en-US"/>
           </a:p>
@@ -1449,6 +1636,13 @@
   <p:clrMapOvr>
     <a:masterClrMapping/>
   </p:clrMapOvr>
+  <p:timing>
+    <p:tnLst>
+      <p:par>
+        <p:cTn id="1" dur="indefinite" restart="never" nodeType="tmRoot"/>
+      </p:par>
+    </p:tnLst>
+  </p:timing>
 </p:sldLayout>
 </file>
 
@@ -1652,7 +1846,7 @@
             <a:fld id="{1D8BD707-D9CF-40AE-B4C6-C98DA3205C09}" type="datetimeFigureOut">
               <a:rPr lang="en-US" smtClean="0"/>
               <a:pPr/>
-              <a:t>5/6/2014</a:t>
+              <a:t>3/20/2016</a:t>
             </a:fld>
             <a:endParaRPr lang="en-US"/>
           </a:p>
@@ -1722,6 +1916,13 @@
   <p:clrMapOvr>
     <a:masterClrMapping/>
   </p:clrMapOvr>
+  <p:timing>
+    <p:tnLst>
+      <p:par>
+        <p:cTn id="1" dur="indefinite" restart="never" nodeType="tmRoot"/>
+      </p:par>
+    </p:tnLst>
+  </p:timing>
 </p:sldLayout>
 </file>
 
@@ -1975,7 +2176,7 @@
             <a:fld id="{1D8BD707-D9CF-40AE-B4C6-C98DA3205C09}" type="datetimeFigureOut">
               <a:rPr lang="en-US" smtClean="0"/>
               <a:pPr/>
-              <a:t>5/6/2014</a:t>
+              <a:t>3/20/2016</a:t>
             </a:fld>
             <a:endParaRPr lang="en-US"/>
           </a:p>
@@ -2045,6 +2246,13 @@
   <p:clrMapOvr>
     <a:masterClrMapping/>
   </p:clrMapOvr>
+  <p:timing>
+    <p:tnLst>
+      <p:par>
+        <p:cTn id="1" dur="indefinite" restart="never" nodeType="tmRoot"/>
+      </p:par>
+    </p:tnLst>
+  </p:timing>
 </p:sldLayout>
 </file>
 
@@ -2438,7 +2646,7 @@
             <a:fld id="{1D8BD707-D9CF-40AE-B4C6-C98DA3205C09}" type="datetimeFigureOut">
               <a:rPr lang="en-US" smtClean="0"/>
               <a:pPr/>
-              <a:t>5/6/2014</a:t>
+              <a:t>3/20/2016</a:t>
             </a:fld>
             <a:endParaRPr lang="en-US"/>
           </a:p>
@@ -2585,7 +2793,7 @@
             <a:fld id="{1D8BD707-D9CF-40AE-B4C6-C98DA3205C09}" type="datetimeFigureOut">
               <a:rPr lang="en-US" smtClean="0"/>
               <a:pPr/>
-              <a:t>5/6/2014</a:t>
+              <a:t>3/20/2016</a:t>
             </a:fld>
             <a:endParaRPr lang="en-US"/>
           </a:p>
@@ -2701,7 +2909,7 @@
             <a:fld id="{1D8BD707-D9CF-40AE-B4C6-C98DA3205C09}" type="datetimeFigureOut">
               <a:rPr lang="en-US" smtClean="0"/>
               <a:pPr/>
-              <a:t>5/6/2014</a:t>
+              <a:t>3/20/2016</a:t>
             </a:fld>
             <a:endParaRPr lang="en-US"/>
           </a:p>
@@ -3008,7 +3216,7 @@
             <a:fld id="{1D8BD707-D9CF-40AE-B4C6-C98DA3205C09}" type="datetimeFigureOut">
               <a:rPr lang="en-US" smtClean="0"/>
               <a:pPr/>
-              <a:t>5/6/2014</a:t>
+              <a:t>3/20/2016</a:t>
             </a:fld>
             <a:endParaRPr lang="en-US"/>
           </a:p>
@@ -3291,7 +3499,7 @@
             <a:fld id="{1D8BD707-D9CF-40AE-B4C6-C98DA3205C09}" type="datetimeFigureOut">
               <a:rPr lang="en-US" smtClean="0"/>
               <a:pPr/>
-              <a:t>5/6/2014</a:t>
+              <a:t>3/20/2016</a:t>
             </a:fld>
             <a:endParaRPr lang="en-US"/>
           </a:p>
@@ -3453,8 +3661,8 @@
         </p:nvGrpSpPr>
         <p:grpSpPr>
           <a:xfrm>
-            <a:off x="1279526" y="3830561"/>
-            <a:ext cx="8066825" cy="1572182"/>
+            <a:off x="1279527" y="3581400"/>
+            <a:ext cx="4560438" cy="1965430"/>
             <a:chOff x="-4267200" y="1447800"/>
             <a:chExt cx="5410200" cy="1710584"/>
           </a:xfrm>
@@ -3600,8 +3808,8 @@
         </p:nvGrpSpPr>
         <p:grpSpPr>
           <a:xfrm>
-            <a:off x="1279526" y="425450"/>
-            <a:ext cx="8066825" cy="3200399"/>
+            <a:off x="1279526" y="425451"/>
+            <a:ext cx="8066825" cy="2927349"/>
             <a:chOff x="-4267200" y="1447800"/>
             <a:chExt cx="5410200" cy="2823882"/>
           </a:xfrm>
@@ -3738,8 +3946,8 @@
         </p:nvGrpSpPr>
         <p:grpSpPr>
           <a:xfrm>
-            <a:off x="1279526" y="5676258"/>
-            <a:ext cx="8066825" cy="1334142"/>
+            <a:off x="1279525" y="5791200"/>
+            <a:ext cx="4560439" cy="1219200"/>
             <a:chOff x="-4267200" y="1447800"/>
             <a:chExt cx="5410200" cy="1177184"/>
           </a:xfrm>
@@ -3964,6 +4172,143 @@
           </a:p>
         </p:txBody>
       </p:sp>
+      <p:grpSp>
+        <p:nvGrpSpPr>
+          <p:cNvPr id="14" name="Group 13"/>
+          <p:cNvGrpSpPr/>
+          <p:nvPr userDrawn="1"/>
+        </p:nvGrpSpPr>
+        <p:grpSpPr>
+          <a:xfrm>
+            <a:off x="6086475" y="3562499"/>
+            <a:ext cx="3256412" cy="3447902"/>
+            <a:chOff x="-4267200" y="1447800"/>
+            <a:chExt cx="5410200" cy="1177184"/>
+          </a:xfrm>
+          <a:solidFill>
+            <a:schemeClr val="bg1"/>
+          </a:solidFill>
+        </p:grpSpPr>
+        <p:sp>
+          <p:nvSpPr>
+            <p:cNvPr id="18" name="Rectangle 17"/>
+            <p:cNvSpPr/>
+            <p:nvPr/>
+          </p:nvSpPr>
+          <p:spPr>
+            <a:xfrm>
+              <a:off x="-4267200" y="1484145"/>
+              <a:ext cx="5410200" cy="1140839"/>
+            </a:xfrm>
+            <a:prstGeom prst="rect">
+              <a:avLst/>
+            </a:prstGeom>
+            <a:grpFill/>
+            <a:ln>
+              <a:solidFill>
+                <a:schemeClr val="accent3">
+                  <a:lumMod val="60000"/>
+                  <a:lumOff val="40000"/>
+                </a:schemeClr>
+              </a:solidFill>
+            </a:ln>
+          </p:spPr>
+          <p:style>
+            <a:lnRef idx="2">
+              <a:schemeClr val="accent1">
+                <a:shade val="50000"/>
+              </a:schemeClr>
+            </a:lnRef>
+            <a:fillRef idx="1">
+              <a:schemeClr val="accent1"/>
+            </a:fillRef>
+            <a:effectRef idx="0">
+              <a:schemeClr val="accent1"/>
+            </a:effectRef>
+            <a:fontRef idx="minor">
+              <a:schemeClr val="lt1"/>
+            </a:fontRef>
+          </p:style>
+          <p:txBody>
+            <a:bodyPr rtlCol="0" anchor="t" anchorCtr="0"/>
+            <a:lstStyle/>
+            <a:p>
+              <a:r>
+                <a:rPr lang="en-US" sz="1400" b="1" dirty="0" smtClean="0">
+                  <a:solidFill>
+                    <a:schemeClr val="accent3">
+                      <a:lumMod val="75000"/>
+                    </a:schemeClr>
+                  </a:solidFill>
+                </a:rPr>
+                <a:t>storage::search</a:t>
+              </a:r>
+              <a:endParaRPr lang="en-SG" sz="1400" b="1" dirty="0">
+                <a:solidFill>
+                  <a:schemeClr val="accent3">
+                    <a:lumMod val="75000"/>
+                  </a:schemeClr>
+                </a:solidFill>
+              </a:endParaRPr>
+            </a:p>
+          </p:txBody>
+        </p:sp>
+        <p:sp>
+          <p:nvSpPr>
+            <p:cNvPr id="19" name="Rectangle 18"/>
+            <p:cNvSpPr/>
+            <p:nvPr/>
+          </p:nvSpPr>
+          <p:spPr>
+            <a:xfrm>
+              <a:off x="-1006274" y="1447800"/>
+              <a:ext cx="2149274" cy="36345"/>
+            </a:xfrm>
+            <a:prstGeom prst="rect">
+              <a:avLst/>
+            </a:prstGeom>
+            <a:grpFill/>
+            <a:ln>
+              <a:solidFill>
+                <a:schemeClr val="accent3">
+                  <a:lumMod val="60000"/>
+                  <a:lumOff val="40000"/>
+                </a:schemeClr>
+              </a:solidFill>
+            </a:ln>
+          </p:spPr>
+          <p:style>
+            <a:lnRef idx="2">
+              <a:schemeClr val="accent1">
+                <a:shade val="50000"/>
+              </a:schemeClr>
+            </a:lnRef>
+            <a:fillRef idx="1">
+              <a:schemeClr val="accent1"/>
+            </a:fillRef>
+            <a:effectRef idx="0">
+              <a:schemeClr val="accent1"/>
+            </a:effectRef>
+            <a:fontRef idx="minor">
+              <a:schemeClr val="lt1"/>
+            </a:fontRef>
+          </p:style>
+          <p:txBody>
+            <a:bodyPr rtlCol="0" anchor="t" anchorCtr="0"/>
+            <a:lstStyle/>
+            <a:p>
+              <a:pPr algn="ctr"/>
+              <a:endParaRPr lang="en-SG" sz="1400" b="1">
+                <a:solidFill>
+                  <a:schemeClr val="accent3">
+                    <a:lumMod val="75000"/>
+                  </a:schemeClr>
+                </a:solidFill>
+              </a:endParaRPr>
+            </a:p>
+          </p:txBody>
+        </p:sp>
+      </p:grpSp>
     </p:spTree>
   </p:cSld>
   <p:clrMap bg1="lt1" tx1="dk1" bg2="lt2" tx2="dk2" accent1="accent1" accent2="accent2" accent3="accent3" accent4="accent4" accent5="accent5" accent6="accent6" hlink="hlink" folHlink="folHlink"/>
@@ -4296,102 +4641,14 @@
       </p:cxnSp>
       <p:sp>
         <p:nvSpPr>
-          <p:cNvPr id="71" name="Rectangle 70"/>
-          <p:cNvSpPr/>
-          <p:nvPr/>
-        </p:nvSpPr>
-        <p:spPr>
-          <a:xfrm>
-            <a:off x="3407218" y="4038600"/>
-            <a:ext cx="2203409" cy="318459"/>
-          </a:xfrm>
-          <a:prstGeom prst="rect">
-            <a:avLst/>
-          </a:prstGeom>
-        </p:spPr>
-        <p:style>
-          <a:lnRef idx="2">
-            <a:schemeClr val="accent5">
-              <a:shade val="50000"/>
-            </a:schemeClr>
-          </a:lnRef>
-          <a:fillRef idx="1">
-            <a:schemeClr val="accent5"/>
-          </a:fillRef>
-          <a:effectRef idx="0">
-            <a:schemeClr val="accent5"/>
-          </a:effectRef>
-          <a:fontRef idx="minor">
-            <a:schemeClr val="lt1"/>
-          </a:fontRef>
-        </p:style>
-        <p:txBody>
-          <a:bodyPr rtlCol="0" anchor="ctr"/>
-          <a:lstStyle/>
-          <a:p>
-            <a:pPr algn="ctr"/>
-            <a:r>
-              <a:rPr lang="en-US" sz="1600" b="1" dirty="0" err="1" smtClean="0"/>
-              <a:t>FeedbackSessionsDb</a:t>
-            </a:r>
-            <a:endParaRPr lang="en-SG" sz="1600" b="1" dirty="0"/>
-          </a:p>
-        </p:txBody>
-      </p:sp>
-      <p:sp>
-        <p:nvSpPr>
-          <p:cNvPr id="72" name="Rectangle 71"/>
-          <p:cNvSpPr/>
-          <p:nvPr/>
-        </p:nvSpPr>
-        <p:spPr>
-          <a:xfrm>
-            <a:off x="7850735" y="4038600"/>
-            <a:ext cx="1429790" cy="318459"/>
-          </a:xfrm>
-          <a:prstGeom prst="rect">
-            <a:avLst/>
-          </a:prstGeom>
-        </p:spPr>
-        <p:style>
-          <a:lnRef idx="2">
-            <a:schemeClr val="accent6">
-              <a:shade val="50000"/>
-            </a:schemeClr>
-          </a:lnRef>
-          <a:fillRef idx="1">
-            <a:schemeClr val="accent6"/>
-          </a:fillRef>
-          <a:effectRef idx="0">
-            <a:schemeClr val="accent6"/>
-          </a:effectRef>
-          <a:fontRef idx="minor">
-            <a:schemeClr val="lt1"/>
-          </a:fontRef>
-        </p:style>
-        <p:txBody>
-          <a:bodyPr rtlCol="0" anchor="ctr"/>
-          <a:lstStyle/>
-          <a:p>
-            <a:pPr algn="ctr"/>
-            <a:r>
-              <a:rPr lang="en-US" sz="1600" b="1" dirty="0" err="1" smtClean="0"/>
-              <a:t>AccountsDb</a:t>
-            </a:r>
-            <a:endParaRPr lang="en-SG" sz="1600" b="1" dirty="0"/>
-          </a:p>
-        </p:txBody>
-      </p:sp>
-      <p:sp>
-        <p:nvSpPr>
           <p:cNvPr id="73" name="Rectangle 72"/>
           <p:cNvSpPr/>
           <p:nvPr/>
         </p:nvSpPr>
         <p:spPr>
           <a:xfrm>
-            <a:off x="4229502" y="6229627"/>
-            <a:ext cx="1466850" cy="386114"/>
+            <a:off x="3717925" y="6319486"/>
+            <a:ext cx="1728000" cy="386114"/>
           </a:xfrm>
           <a:prstGeom prst="rect">
             <a:avLst/>
@@ -4434,8 +4691,8 @@
         </p:nvSpPr>
         <p:spPr>
           <a:xfrm>
-            <a:off x="1578080" y="6229627"/>
-            <a:ext cx="1724025" cy="386114"/>
+            <a:off x="1648062" y="6324600"/>
+            <a:ext cx="1728000" cy="386114"/>
           </a:xfrm>
           <a:prstGeom prst="rect">
             <a:avLst/>
@@ -4478,8 +4735,8 @@
         </p:nvCxnSpPr>
         <p:spPr>
           <a:xfrm flipV="1">
-            <a:off x="3019827" y="5410200"/>
-            <a:ext cx="0" cy="819428"/>
+            <a:off x="3019827" y="5562600"/>
+            <a:ext cx="0" cy="324000"/>
           </a:xfrm>
           <a:prstGeom prst="straightConnector1">
             <a:avLst/>
@@ -4638,15 +4895,13 @@
       <p:cxnSp>
         <p:nvCxnSpPr>
           <p:cNvPr id="77" name="Straight Arrow Connector 76"/>
-          <p:cNvCxnSpPr>
-            <a:stCxn id="78" idx="0"/>
-          </p:cNvCxnSpPr>
+          <p:cNvCxnSpPr/>
           <p:nvPr/>
         </p:nvCxnSpPr>
         <p:spPr>
           <a:xfrm flipH="1" flipV="1">
-            <a:off x="2654583" y="6629400"/>
-            <a:ext cx="1" cy="544082"/>
+            <a:off x="2486262" y="6705600"/>
+            <a:ext cx="1" cy="504000"/>
           </a:xfrm>
           <a:prstGeom prst="straightConnector1">
             <a:avLst/>
@@ -4683,7 +4938,7 @@
         </p:nvSpPr>
         <p:spPr>
           <a:xfrm>
-            <a:off x="1746415" y="7173482"/>
+            <a:off x="1584325" y="7173482"/>
             <a:ext cx="1816337" cy="307777"/>
           </a:xfrm>
           <a:prstGeom prst="rect">
@@ -4822,7 +5077,7 @@
         </p:nvSpPr>
         <p:spPr>
           <a:xfrm>
-            <a:off x="6690372" y="1249394"/>
+            <a:off x="6003925" y="1086030"/>
             <a:ext cx="1076146" cy="361770"/>
           </a:xfrm>
           <a:prstGeom prst="rect">
@@ -4858,50 +5113,6 @@
           </a:p>
         </p:txBody>
       </p:sp>
-      <p:sp>
-        <p:nvSpPr>
-          <p:cNvPr id="80" name="Rectangle 79"/>
-          <p:cNvSpPr/>
-          <p:nvPr/>
-        </p:nvSpPr>
-        <p:spPr>
-          <a:xfrm>
-            <a:off x="3519383" y="1618672"/>
-            <a:ext cx="1204823" cy="361770"/>
-          </a:xfrm>
-          <a:prstGeom prst="rect">
-            <a:avLst/>
-          </a:prstGeom>
-        </p:spPr>
-        <p:style>
-          <a:lnRef idx="2">
-            <a:schemeClr val="accent1">
-              <a:shade val="50000"/>
-            </a:schemeClr>
-          </a:lnRef>
-          <a:fillRef idx="1">
-            <a:schemeClr val="accent1"/>
-          </a:fillRef>
-          <a:effectRef idx="0">
-            <a:schemeClr val="accent1"/>
-          </a:effectRef>
-          <a:fontRef idx="minor">
-            <a:schemeClr val="lt1"/>
-          </a:fontRef>
-        </p:style>
-        <p:txBody>
-          <a:bodyPr rtlCol="0" anchor="ctr"/>
-          <a:lstStyle/>
-          <a:p>
-            <a:pPr algn="ctr"/>
-            <a:r>
-              <a:rPr lang="en-US" sz="1600" b="1" dirty="0"/>
-              <a:t>Evaluation</a:t>
-            </a:r>
-            <a:endParaRPr lang="en-SG" sz="1600" b="1" dirty="0"/>
-          </a:p>
-        </p:txBody>
-      </p:sp>
       <p:cxnSp>
         <p:nvCxnSpPr>
           <p:cNvPr id="81" name="Straight Arrow Connector 80"/>
@@ -4910,8 +5121,8 @@
         </p:nvCxnSpPr>
         <p:spPr>
           <a:xfrm flipV="1">
-            <a:off x="5010552" y="6629400"/>
-            <a:ext cx="0" cy="615757"/>
+            <a:off x="4556125" y="6699000"/>
+            <a:ext cx="0" cy="504000"/>
           </a:xfrm>
           <a:prstGeom prst="straightConnector1">
             <a:avLst/>
@@ -4948,7 +5159,7 @@
         </p:nvSpPr>
         <p:spPr>
           <a:xfrm>
-            <a:off x="4019952" y="7159823"/>
+            <a:off x="3641725" y="7162800"/>
             <a:ext cx="1816337" cy="307777"/>
           </a:xfrm>
           <a:prstGeom prst="rect">
@@ -5046,7 +5257,7 @@
             </a:lvl9pPr>
           </a:lstStyle>
           <a:p>
-            <a:pPr algn="r"/>
+            <a:pPr algn="ctr"/>
             <a:r>
               <a:rPr lang="en-US" dirty="0" smtClean="0">
                 <a:solidFill>
@@ -5063,266 +5274,6 @@
           </a:p>
         </p:txBody>
       </p:sp>
-      <p:sp>
-        <p:nvSpPr>
-          <p:cNvPr id="83" name="Rectangle 82"/>
-          <p:cNvSpPr/>
-          <p:nvPr/>
-        </p:nvSpPr>
-        <p:spPr>
-          <a:xfrm>
-            <a:off x="2337340" y="1066800"/>
-            <a:ext cx="1182043" cy="304800"/>
-          </a:xfrm>
-          <a:prstGeom prst="rect">
-            <a:avLst/>
-          </a:prstGeom>
-        </p:spPr>
-        <p:style>
-          <a:lnRef idx="2">
-            <a:schemeClr val="accent1">
-              <a:shade val="50000"/>
-            </a:schemeClr>
-          </a:lnRef>
-          <a:fillRef idx="1">
-            <a:schemeClr val="accent1"/>
-          </a:fillRef>
-          <a:effectRef idx="0">
-            <a:schemeClr val="accent1"/>
-          </a:effectRef>
-          <a:fontRef idx="minor">
-            <a:schemeClr val="lt1"/>
-          </a:fontRef>
-        </p:style>
-        <p:txBody>
-          <a:bodyPr rtlCol="0" anchor="ctr"/>
-          <a:lstStyle/>
-          <a:p>
-            <a:pPr algn="ctr"/>
-            <a:r>
-              <a:rPr lang="en-US" sz="1600" b="1" dirty="0" smtClean="0"/>
-              <a:t>Submission</a:t>
-            </a:r>
-            <a:endParaRPr lang="en-SG" sz="1600" b="1" dirty="0"/>
-          </a:p>
-        </p:txBody>
-      </p:sp>
-      <p:sp>
-        <p:nvSpPr>
-          <p:cNvPr id="84" name="Rectangle 83"/>
-          <p:cNvSpPr/>
-          <p:nvPr/>
-        </p:nvSpPr>
-        <p:spPr>
-          <a:xfrm>
-            <a:off x="1385864" y="4435765"/>
-            <a:ext cx="1722461" cy="318459"/>
-          </a:xfrm>
-          <a:prstGeom prst="rect">
-            <a:avLst/>
-          </a:prstGeom>
-        </p:spPr>
-        <p:style>
-          <a:lnRef idx="2">
-            <a:schemeClr val="accent1">
-              <a:shade val="50000"/>
-            </a:schemeClr>
-          </a:lnRef>
-          <a:fillRef idx="1">
-            <a:schemeClr val="accent1"/>
-          </a:fillRef>
-          <a:effectRef idx="0">
-            <a:schemeClr val="accent1"/>
-          </a:effectRef>
-          <a:fontRef idx="minor">
-            <a:schemeClr val="lt1"/>
-          </a:fontRef>
-        </p:style>
-        <p:txBody>
-          <a:bodyPr rtlCol="0" anchor="ctr"/>
-          <a:lstStyle/>
-          <a:p>
-            <a:pPr algn="ctr"/>
-            <a:r>
-              <a:rPr lang="en-US" sz="1600" b="1" dirty="0" err="1" smtClean="0"/>
-              <a:t>SubmissionsDb</a:t>
-            </a:r>
-            <a:endParaRPr lang="en-SG" sz="1600" b="1" dirty="0"/>
-          </a:p>
-        </p:txBody>
-      </p:sp>
-      <p:cxnSp>
-        <p:nvCxnSpPr>
-          <p:cNvPr id="85" name="Elbow Connector 84"/>
-          <p:cNvCxnSpPr>
-            <a:stCxn id="83" idx="3"/>
-            <a:endCxn id="122" idx="0"/>
-          </p:cNvCxnSpPr>
-          <p:nvPr/>
-        </p:nvCxnSpPr>
-        <p:spPr>
-          <a:xfrm flipV="1">
-            <a:off x="3519383" y="1098169"/>
-            <a:ext cx="3357585" cy="121031"/>
-          </a:xfrm>
-          <a:prstGeom prst="bentConnector4">
-            <a:avLst>
-              <a:gd name="adj1" fmla="val 48928"/>
-              <a:gd name="adj2" fmla="val 314795"/>
-            </a:avLst>
-          </a:prstGeom>
-          <a:ln w="57150" cmpd="dbl">
-            <a:solidFill>
-              <a:schemeClr val="tx2"/>
-            </a:solidFill>
-            <a:prstDash val="solid"/>
-            <a:headEnd type="none" w="med" len="med"/>
-            <a:tailEnd type="triangle" w="med" len="med"/>
-          </a:ln>
-        </p:spPr>
-        <p:style>
-          <a:lnRef idx="2">
-            <a:schemeClr val="accent6">
-              <a:shade val="50000"/>
-            </a:schemeClr>
-          </a:lnRef>
-          <a:fillRef idx="1">
-            <a:schemeClr val="accent6"/>
-          </a:fillRef>
-          <a:effectRef idx="0">
-            <a:schemeClr val="accent6"/>
-          </a:effectRef>
-          <a:fontRef idx="minor">
-            <a:schemeClr val="lt1"/>
-          </a:fontRef>
-        </p:style>
-      </p:cxnSp>
-      <p:sp>
-        <p:nvSpPr>
-          <p:cNvPr id="86" name="Diamond 85"/>
-          <p:cNvSpPr/>
-          <p:nvPr/>
-        </p:nvSpPr>
-        <p:spPr>
-          <a:xfrm>
-            <a:off x="3311123" y="1747885"/>
-            <a:ext cx="208260" cy="151078"/>
-          </a:xfrm>
-          <a:prstGeom prst="diamond">
-            <a:avLst/>
-          </a:prstGeom>
-        </p:spPr>
-        <p:style>
-          <a:lnRef idx="2">
-            <a:schemeClr val="accent1">
-              <a:shade val="50000"/>
-            </a:schemeClr>
-          </a:lnRef>
-          <a:fillRef idx="1">
-            <a:schemeClr val="accent1"/>
-          </a:fillRef>
-          <a:effectRef idx="0">
-            <a:schemeClr val="accent1"/>
-          </a:effectRef>
-          <a:fontRef idx="minor">
-            <a:schemeClr val="lt1"/>
-          </a:fontRef>
-        </p:style>
-        <p:txBody>
-          <a:bodyPr rtlCol="0" anchor="ctr"/>
-          <a:lstStyle/>
-          <a:p>
-            <a:pPr algn="ctr"/>
-            <a:endParaRPr lang="en-SG" sz="1600" b="1"/>
-          </a:p>
-        </p:txBody>
-      </p:sp>
-      <p:cxnSp>
-        <p:nvCxnSpPr>
-          <p:cNvPr id="87" name="Elbow Connector 86"/>
-          <p:cNvCxnSpPr>
-            <a:stCxn id="97" idx="0"/>
-            <a:endCxn id="80" idx="3"/>
-          </p:cNvCxnSpPr>
-          <p:nvPr/>
-        </p:nvCxnSpPr>
-        <p:spPr>
-          <a:xfrm rot="16200000" flipV="1">
-            <a:off x="4822281" y="1701483"/>
-            <a:ext cx="276315" cy="472464"/>
-          </a:xfrm>
-          <a:prstGeom prst="bentConnector2">
-            <a:avLst/>
-          </a:prstGeom>
-          <a:ln w="57150" cmpd="dbl">
-            <a:solidFill>
-              <a:schemeClr val="tx2"/>
-            </a:solidFill>
-            <a:prstDash val="solid"/>
-            <a:headEnd type="triangle" w="med" len="med"/>
-            <a:tailEnd type="none" w="med" len="med"/>
-          </a:ln>
-        </p:spPr>
-        <p:style>
-          <a:lnRef idx="2">
-            <a:schemeClr val="accent6">
-              <a:shade val="50000"/>
-            </a:schemeClr>
-          </a:lnRef>
-          <a:fillRef idx="1">
-            <a:schemeClr val="accent6"/>
-          </a:fillRef>
-          <a:effectRef idx="0">
-            <a:schemeClr val="accent6"/>
-          </a:effectRef>
-          <a:fontRef idx="minor">
-            <a:schemeClr val="lt1"/>
-          </a:fontRef>
-        </p:style>
-      </p:cxnSp>
-      <p:cxnSp>
-        <p:nvCxnSpPr>
-          <p:cNvPr id="88" name="Elbow Connector 87"/>
-          <p:cNvCxnSpPr>
-            <a:stCxn id="86" idx="1"/>
-            <a:endCxn id="83" idx="2"/>
-          </p:cNvCxnSpPr>
-          <p:nvPr/>
-        </p:nvCxnSpPr>
-        <p:spPr>
-          <a:xfrm rot="10800000">
-            <a:off x="2928363" y="1371600"/>
-            <a:ext cx="382761" cy="451824"/>
-          </a:xfrm>
-          <a:prstGeom prst="bentConnector2">
-            <a:avLst/>
-          </a:prstGeom>
-          <a:ln w="57150" cmpd="dbl">
-            <a:solidFill>
-              <a:schemeClr val="tx2"/>
-            </a:solidFill>
-            <a:prstDash val="solid"/>
-            <a:headEnd type="triangle" w="med" len="med"/>
-            <a:tailEnd type="none" w="med" len="med"/>
-          </a:ln>
-        </p:spPr>
-        <p:style>
-          <a:lnRef idx="2">
-            <a:schemeClr val="accent6">
-              <a:shade val="50000"/>
-            </a:schemeClr>
-          </a:lnRef>
-          <a:fillRef idx="1">
-            <a:schemeClr val="accent6"/>
-          </a:fillRef>
-          <a:effectRef idx="0">
-            <a:schemeClr val="accent6"/>
-          </a:effectRef>
-          <a:fontRef idx="minor">
-            <a:schemeClr val="lt1"/>
-          </a:fontRef>
-        </p:style>
-      </p:cxnSp>
       <p:cxnSp>
         <p:nvCxnSpPr>
           <p:cNvPr id="89" name="Elbow Connector 88"/>
@@ -5334,8 +5285,8 @@
         </p:nvCxnSpPr>
         <p:spPr>
           <a:xfrm rot="16200000" flipV="1">
-            <a:off x="7964027" y="1232771"/>
-            <a:ext cx="573593" cy="968610"/>
+            <a:off x="7211456" y="1135531"/>
+            <a:ext cx="722685" cy="985454"/>
           </a:xfrm>
           <a:prstGeom prst="bentConnector2">
             <a:avLst/>
@@ -5379,8 +5330,8 @@
         </p:nvCxnSpPr>
         <p:spPr>
           <a:xfrm rot="5400000" flipH="1" flipV="1">
-            <a:off x="5928390" y="1308160"/>
-            <a:ext cx="639863" cy="884102"/>
+            <a:off x="5183283" y="787958"/>
+            <a:ext cx="341685" cy="1299600"/>
           </a:xfrm>
           <a:prstGeom prst="bentConnector2">
             <a:avLst/>
@@ -5421,7 +5372,7 @@
         </p:nvSpPr>
         <p:spPr>
           <a:xfrm>
-            <a:off x="6630652" y="2738221"/>
+            <a:off x="5546725" y="2819400"/>
             <a:ext cx="1204823" cy="361770"/>
           </a:xfrm>
           <a:prstGeom prst="rect">
@@ -5475,8 +5426,8 @@
         </p:nvCxnSpPr>
         <p:spPr>
           <a:xfrm rot="5400000">
-            <a:off x="8154573" y="2339096"/>
-            <a:ext cx="260913" cy="899107"/>
+            <a:off x="7237695" y="2172454"/>
+            <a:ext cx="341685" cy="1313977"/>
           </a:xfrm>
           <a:prstGeom prst="bentConnector2">
             <a:avLst/>
@@ -5517,7 +5468,7 @@
         </p:nvSpPr>
         <p:spPr>
           <a:xfrm>
-            <a:off x="5589002" y="1951615"/>
+            <a:off x="4479925" y="1295400"/>
             <a:ext cx="170709" cy="200457"/>
           </a:xfrm>
           <a:prstGeom prst="rect">
@@ -5553,51 +5504,13 @@
       </p:sp>
       <p:sp>
         <p:nvSpPr>
-          <p:cNvPr id="94" name="TextBox 93"/>
-          <p:cNvSpPr txBox="1"/>
-          <p:nvPr/>
-        </p:nvSpPr>
-        <p:spPr>
-          <a:xfrm>
-            <a:off x="6996788" y="998933"/>
-            <a:ext cx="170709" cy="200457"/>
-          </a:xfrm>
-          <a:prstGeom prst="rect">
-            <a:avLst/>
-          </a:prstGeom>
-          <a:noFill/>
-        </p:spPr>
-        <p:txBody>
-          <a:bodyPr wrap="square" lIns="0" tIns="0" rIns="0" bIns="0" rtlCol="0" anchor="ctr" anchorCtr="0">
-            <a:noAutofit/>
-          </a:bodyPr>
-          <a:lstStyle/>
-          <a:p>
-            <a:r>
-              <a:rPr lang="en-US" sz="1600" dirty="0" smtClean="0">
-                <a:solidFill>
-                  <a:srgbClr val="0070C0"/>
-                </a:solidFill>
-              </a:rPr>
-              <a:t>2</a:t>
-            </a:r>
-            <a:endParaRPr lang="en-SG" sz="1600" dirty="0">
-              <a:solidFill>
-                <a:srgbClr val="0070C0"/>
-              </a:solidFill>
-            </a:endParaRPr>
-          </a:p>
-        </p:txBody>
-      </p:sp>
-      <p:sp>
-        <p:nvSpPr>
           <p:cNvPr id="95" name="Rectangle 94"/>
           <p:cNvSpPr/>
           <p:nvPr/>
         </p:nvSpPr>
         <p:spPr>
           <a:xfrm>
-            <a:off x="5880569" y="4043414"/>
+            <a:off x="3897453" y="4421997"/>
             <a:ext cx="1808860" cy="318459"/>
           </a:xfrm>
           <a:prstGeom prst="rect">
@@ -5627,7 +5540,7 @@
             <a:pPr algn="ctr"/>
             <a:r>
               <a:rPr lang="en-US" sz="1600" b="1" dirty="0" err="1" smtClean="0"/>
-              <a:t>CoursesDb</a:t>
+              <a:t>InstructorsDb</a:t>
             </a:r>
             <a:endParaRPr lang="en-SG" sz="1600" b="1" dirty="0"/>
           </a:p>
@@ -5641,7 +5554,7 @@
         </p:nvSpPr>
         <p:spPr>
           <a:xfrm>
-            <a:off x="4899968" y="2228272"/>
+            <a:off x="4098926" y="1752600"/>
             <a:ext cx="1219199" cy="361770"/>
           </a:xfrm>
           <a:prstGeom prst="rect">
@@ -5679,53 +5592,13 @@
       </p:sp>
       <p:sp>
         <p:nvSpPr>
-          <p:cNvPr id="97" name="Diamond 96"/>
-          <p:cNvSpPr/>
-          <p:nvPr/>
-        </p:nvSpPr>
-        <p:spPr>
-          <a:xfrm>
-            <a:off x="5124670" y="2075872"/>
-            <a:ext cx="144000" cy="144000"/>
-          </a:xfrm>
-          <a:prstGeom prst="diamond">
-            <a:avLst/>
-          </a:prstGeom>
-        </p:spPr>
-        <p:style>
-          <a:lnRef idx="2">
-            <a:schemeClr val="accent1">
-              <a:shade val="50000"/>
-            </a:schemeClr>
-          </a:lnRef>
-          <a:fillRef idx="1">
-            <a:schemeClr val="accent1"/>
-          </a:fillRef>
-          <a:effectRef idx="0">
-            <a:schemeClr val="accent1"/>
-          </a:effectRef>
-          <a:fontRef idx="minor">
-            <a:schemeClr val="lt1"/>
-          </a:fontRef>
-        </p:style>
-        <p:txBody>
-          <a:bodyPr rtlCol="0" anchor="ctr"/>
-          <a:lstStyle/>
-          <a:p>
-            <a:pPr algn="ctr"/>
-            <a:endParaRPr lang="en-SG" sz="1600" b="1"/>
-          </a:p>
-        </p:txBody>
-      </p:sp>
-      <p:sp>
-        <p:nvSpPr>
           <p:cNvPr id="98" name="Diamond 97"/>
           <p:cNvSpPr/>
           <p:nvPr/>
         </p:nvSpPr>
         <p:spPr>
           <a:xfrm>
-            <a:off x="5734270" y="2070142"/>
+            <a:off x="4632325" y="1608600"/>
             <a:ext cx="144000" cy="144000"/>
           </a:xfrm>
           <a:prstGeom prst="diamond">
@@ -5762,13 +5635,14 @@
           <p:cNvPr id="99" name="Elbow Connector 98"/>
           <p:cNvCxnSpPr>
             <a:stCxn id="101" idx="2"/>
+            <a:endCxn id="91" idx="1"/>
           </p:cNvCxnSpPr>
           <p:nvPr/>
         </p:nvCxnSpPr>
         <p:spPr>
           <a:xfrm rot="16200000" flipH="1">
-            <a:off x="6079655" y="2458642"/>
-            <a:ext cx="253684" cy="848310"/>
+            <a:off x="4963083" y="2416642"/>
+            <a:ext cx="714285" cy="453000"/>
           </a:xfrm>
           <a:prstGeom prst="bentConnector2">
             <a:avLst/>
@@ -5809,7 +5683,7 @@
         </p:nvSpPr>
         <p:spPr>
           <a:xfrm>
-            <a:off x="8128179" y="2152423"/>
+            <a:off x="7594779" y="2152423"/>
             <a:ext cx="1076146" cy="361770"/>
           </a:xfrm>
           <a:prstGeom prst="rect">
@@ -5853,7 +5727,7 @@
         </p:nvSpPr>
         <p:spPr>
           <a:xfrm>
-            <a:off x="5710342" y="2611955"/>
+            <a:off x="5021725" y="2142000"/>
             <a:ext cx="144000" cy="144000"/>
           </a:xfrm>
           <a:prstGeom prst="diamond">
@@ -5893,7 +5767,7 @@
         </p:nvSpPr>
         <p:spPr>
           <a:xfrm>
-            <a:off x="5858049" y="2768872"/>
+            <a:off x="5223616" y="2209800"/>
             <a:ext cx="170709" cy="200457"/>
           </a:xfrm>
           <a:prstGeom prst="rect">
@@ -5935,7 +5809,7 @@
         </p:nvSpPr>
         <p:spPr>
           <a:xfrm>
-            <a:off x="8267038" y="1877369"/>
+            <a:off x="8213725" y="1856943"/>
             <a:ext cx="170709" cy="200457"/>
           </a:xfrm>
           <a:prstGeom prst="rect">
@@ -5977,7 +5851,7 @@
         </p:nvSpPr>
         <p:spPr>
           <a:xfrm>
-            <a:off x="8535786" y="2537764"/>
+            <a:off x="8213725" y="2542743"/>
             <a:ext cx="170709" cy="200457"/>
           </a:xfrm>
           <a:prstGeom prst="rect">
@@ -6013,101 +5887,13 @@
       </p:sp>
       <p:sp>
         <p:nvSpPr>
-          <p:cNvPr id="105" name="Rectangle 104"/>
-          <p:cNvSpPr/>
-          <p:nvPr/>
-        </p:nvSpPr>
-        <p:spPr>
-          <a:xfrm>
-            <a:off x="7853065" y="4418594"/>
-            <a:ext cx="1427459" cy="318459"/>
-          </a:xfrm>
-          <a:prstGeom prst="rect">
-            <a:avLst/>
-          </a:prstGeom>
-        </p:spPr>
-        <p:style>
-          <a:lnRef idx="2">
-            <a:schemeClr val="accent6">
-              <a:shade val="50000"/>
-            </a:schemeClr>
-          </a:lnRef>
-          <a:fillRef idx="1">
-            <a:schemeClr val="accent6"/>
-          </a:fillRef>
-          <a:effectRef idx="0">
-            <a:schemeClr val="accent6"/>
-          </a:effectRef>
-          <a:fontRef idx="minor">
-            <a:schemeClr val="lt1"/>
-          </a:fontRef>
-        </p:style>
-        <p:txBody>
-          <a:bodyPr rtlCol="0" anchor="ctr"/>
-          <a:lstStyle/>
-          <a:p>
-            <a:pPr algn="ctr"/>
-            <a:r>
-              <a:rPr lang="en-US" sz="1600" b="1" dirty="0" err="1" smtClean="0"/>
-              <a:t>StudentsDb</a:t>
-            </a:r>
-            <a:endParaRPr lang="en-SG" sz="1600" b="1" dirty="0"/>
-          </a:p>
-        </p:txBody>
-      </p:sp>
-      <p:sp>
-        <p:nvSpPr>
-          <p:cNvPr id="106" name="Rectangle 105"/>
-          <p:cNvSpPr/>
-          <p:nvPr/>
-        </p:nvSpPr>
-        <p:spPr>
-          <a:xfrm>
-            <a:off x="7853065" y="4798588"/>
-            <a:ext cx="1427459" cy="318459"/>
-          </a:xfrm>
-          <a:prstGeom prst="rect">
-            <a:avLst/>
-          </a:prstGeom>
-        </p:spPr>
-        <p:style>
-          <a:lnRef idx="2">
-            <a:schemeClr val="accent6">
-              <a:shade val="50000"/>
-            </a:schemeClr>
-          </a:lnRef>
-          <a:fillRef idx="1">
-            <a:schemeClr val="accent6"/>
-          </a:fillRef>
-          <a:effectRef idx="0">
-            <a:schemeClr val="accent6"/>
-          </a:effectRef>
-          <a:fontRef idx="minor">
-            <a:schemeClr val="lt1"/>
-          </a:fontRef>
-        </p:style>
-        <p:txBody>
-          <a:bodyPr rtlCol="0" anchor="ctr"/>
-          <a:lstStyle/>
-          <a:p>
-            <a:pPr algn="ctr"/>
-            <a:r>
-              <a:rPr lang="en-US" sz="1600" b="1" dirty="0" err="1" smtClean="0"/>
-              <a:t>InstructorsDb</a:t>
-            </a:r>
-            <a:endParaRPr lang="en-SG" sz="1600" b="1" dirty="0"/>
-          </a:p>
-        </p:txBody>
-      </p:sp>
-      <p:sp>
-        <p:nvSpPr>
           <p:cNvPr id="107" name="Rectangle 106"/>
           <p:cNvSpPr/>
           <p:nvPr/>
         </p:nvSpPr>
         <p:spPr>
           <a:xfrm>
-            <a:off x="3519383" y="2738221"/>
+            <a:off x="3656102" y="2662661"/>
             <a:ext cx="1204823" cy="461539"/>
           </a:xfrm>
           <a:prstGeom prst="rect">
@@ -6158,7 +5944,7 @@
         </p:nvSpPr>
         <p:spPr>
           <a:xfrm>
-            <a:off x="2498725" y="2152072"/>
+            <a:off x="2574925" y="1676400"/>
             <a:ext cx="1182043" cy="446919"/>
           </a:xfrm>
           <a:prstGeom prst="rect">
@@ -6209,7 +5995,7 @@
         </p:nvSpPr>
         <p:spPr>
           <a:xfrm>
-            <a:off x="3311123" y="2967203"/>
+            <a:off x="3433465" y="2819400"/>
             <a:ext cx="208260" cy="151078"/>
           </a:xfrm>
           <a:prstGeom prst="diamond">
@@ -6246,17 +6032,19 @@
           <p:cNvPr id="110" name="Elbow Connector 109"/>
           <p:cNvCxnSpPr>
             <a:stCxn id="112" idx="2"/>
-            <a:endCxn id="107" idx="3"/>
+            <a:endCxn id="107" idx="0"/>
           </p:cNvCxnSpPr>
           <p:nvPr/>
         </p:nvCxnSpPr>
         <p:spPr>
           <a:xfrm rot="5400000">
-            <a:off x="4852387" y="2624707"/>
-            <a:ext cx="216103" cy="472464"/>
-          </a:xfrm>
-          <a:prstGeom prst="bentConnector2">
-            <a:avLst/>
+            <a:off x="4250790" y="2285325"/>
+            <a:ext cx="385061" cy="369611"/>
+          </a:xfrm>
+          <a:prstGeom prst="bentConnector3">
+            <a:avLst>
+              <a:gd name="adj1" fmla="val 50000"/>
+            </a:avLst>
           </a:prstGeom>
           <a:ln w="57150" cmpd="dbl">
             <a:solidFill>
@@ -6297,8 +6085,8 @@
         </p:nvCxnSpPr>
         <p:spPr>
           <a:xfrm rot="10800000">
-            <a:off x="3089747" y="2598992"/>
-            <a:ext cx="221376" cy="443751"/>
+            <a:off x="3165947" y="2123319"/>
+            <a:ext cx="267518" cy="771620"/>
           </a:xfrm>
           <a:prstGeom prst="bentConnector2">
             <a:avLst/>
@@ -6339,7 +6127,7 @@
         </p:nvSpPr>
         <p:spPr>
           <a:xfrm>
-            <a:off x="5124670" y="2608888"/>
+            <a:off x="4556125" y="2133600"/>
             <a:ext cx="144000" cy="144000"/>
           </a:xfrm>
           <a:prstGeom prst="diamond">
@@ -6379,7 +6167,7 @@
         </p:nvSpPr>
         <p:spPr>
           <a:xfrm>
-            <a:off x="1431925" y="1618672"/>
+            <a:off x="1508125" y="990600"/>
             <a:ext cx="1182043" cy="446919"/>
           </a:xfrm>
           <a:prstGeom prst="rect">
@@ -6430,7 +6218,7 @@
         </p:nvSpPr>
         <p:spPr>
           <a:xfrm>
-            <a:off x="2260676" y="2357603"/>
+            <a:off x="2346325" y="1828800"/>
             <a:ext cx="208260" cy="151078"/>
           </a:xfrm>
           <a:prstGeom prst="diamond">
@@ -6473,8 +6261,8 @@
         </p:nvCxnSpPr>
         <p:spPr>
           <a:xfrm rot="10800000">
-            <a:off x="2022948" y="2065592"/>
-            <a:ext cx="237729" cy="367551"/>
+            <a:off x="2099147" y="1437519"/>
+            <a:ext cx="247178" cy="466820"/>
           </a:xfrm>
           <a:prstGeom prst="bentConnector2">
             <a:avLst/>
@@ -6507,138 +6295,6 @@
           </a:fontRef>
         </p:style>
       </p:cxnSp>
-      <p:sp>
-        <p:nvSpPr>
-          <p:cNvPr id="116" name="Rectangle 115"/>
-          <p:cNvSpPr/>
-          <p:nvPr/>
-        </p:nvSpPr>
-        <p:spPr>
-          <a:xfrm>
-            <a:off x="1397697" y="4038600"/>
-            <a:ext cx="1704080" cy="318459"/>
-          </a:xfrm>
-          <a:prstGeom prst="rect">
-            <a:avLst/>
-          </a:prstGeom>
-        </p:spPr>
-        <p:style>
-          <a:lnRef idx="2">
-            <a:schemeClr val="accent1">
-              <a:shade val="50000"/>
-            </a:schemeClr>
-          </a:lnRef>
-          <a:fillRef idx="1">
-            <a:schemeClr val="accent1"/>
-          </a:fillRef>
-          <a:effectRef idx="0">
-            <a:schemeClr val="accent1"/>
-          </a:effectRef>
-          <a:fontRef idx="minor">
-            <a:schemeClr val="lt1"/>
-          </a:fontRef>
-        </p:style>
-        <p:txBody>
-          <a:bodyPr rtlCol="0" anchor="ctr"/>
-          <a:lstStyle/>
-          <a:p>
-            <a:pPr algn="ctr"/>
-            <a:r>
-              <a:rPr lang="en-US" sz="1600" b="1" dirty="0" err="1"/>
-              <a:t>EvaluationsDb</a:t>
-            </a:r>
-            <a:endParaRPr lang="en-SG" sz="1600" b="1" dirty="0"/>
-          </a:p>
-        </p:txBody>
-      </p:sp>
-      <p:sp>
-        <p:nvSpPr>
-          <p:cNvPr id="117" name="Rectangle 116"/>
-          <p:cNvSpPr/>
-          <p:nvPr/>
-        </p:nvSpPr>
-        <p:spPr>
-          <a:xfrm>
-            <a:off x="3407218" y="4411767"/>
-            <a:ext cx="2203409" cy="318459"/>
-          </a:xfrm>
-          <a:prstGeom prst="rect">
-            <a:avLst/>
-          </a:prstGeom>
-        </p:spPr>
-        <p:style>
-          <a:lnRef idx="2">
-            <a:schemeClr val="accent5">
-              <a:shade val="50000"/>
-            </a:schemeClr>
-          </a:lnRef>
-          <a:fillRef idx="1">
-            <a:schemeClr val="accent5"/>
-          </a:fillRef>
-          <a:effectRef idx="0">
-            <a:schemeClr val="accent5"/>
-          </a:effectRef>
-          <a:fontRef idx="minor">
-            <a:schemeClr val="lt1"/>
-          </a:fontRef>
-        </p:style>
-        <p:txBody>
-          <a:bodyPr rtlCol="0" anchor="ctr"/>
-          <a:lstStyle/>
-          <a:p>
-            <a:pPr algn="ctr"/>
-            <a:r>
-              <a:rPr lang="en-US" sz="1600" b="1" dirty="0" err="1" smtClean="0"/>
-              <a:t>FeedbackQuestionsDb</a:t>
-            </a:r>
-            <a:endParaRPr lang="en-SG" sz="1600" b="1" dirty="0"/>
-          </a:p>
-        </p:txBody>
-      </p:sp>
-      <p:sp>
-        <p:nvSpPr>
-          <p:cNvPr id="118" name="Rectangle 117"/>
-          <p:cNvSpPr/>
-          <p:nvPr/>
-        </p:nvSpPr>
-        <p:spPr>
-          <a:xfrm>
-            <a:off x="3407218" y="4786941"/>
-            <a:ext cx="2203409" cy="318459"/>
-          </a:xfrm>
-          <a:prstGeom prst="rect">
-            <a:avLst/>
-          </a:prstGeom>
-        </p:spPr>
-        <p:style>
-          <a:lnRef idx="2">
-            <a:schemeClr val="accent5">
-              <a:shade val="50000"/>
-            </a:schemeClr>
-          </a:lnRef>
-          <a:fillRef idx="1">
-            <a:schemeClr val="accent5"/>
-          </a:fillRef>
-          <a:effectRef idx="0">
-            <a:schemeClr val="accent5"/>
-          </a:effectRef>
-          <a:fontRef idx="minor">
-            <a:schemeClr val="lt1"/>
-          </a:fontRef>
-        </p:style>
-        <p:txBody>
-          <a:bodyPr rtlCol="0" anchor="ctr"/>
-          <a:lstStyle/>
-          <a:p>
-            <a:pPr algn="ctr"/>
-            <a:r>
-              <a:rPr lang="en-US" sz="1600" b="1" dirty="0" err="1" smtClean="0"/>
-              <a:t>FeedbackResponsesDb</a:t>
-            </a:r>
-            <a:endParaRPr lang="en-SG" sz="1600" b="1" dirty="0"/>
-          </a:p>
-        </p:txBody>
-      </p:sp>
       <p:cxnSp>
         <p:nvCxnSpPr>
           <p:cNvPr id="119" name="Straight Arrow Connector 118"/>
@@ -6647,7 +6303,7 @@
         </p:nvCxnSpPr>
         <p:spPr>
           <a:xfrm>
-            <a:off x="3019827" y="3581400"/>
+            <a:off x="3019827" y="3352800"/>
             <a:ext cx="0" cy="323572"/>
           </a:xfrm>
           <a:prstGeom prst="straightConnector1">
@@ -6689,7 +6345,7 @@
         </p:nvSpPr>
         <p:spPr>
           <a:xfrm>
-            <a:off x="8663128" y="2003872"/>
+            <a:off x="7993525" y="1989600"/>
             <a:ext cx="144000" cy="144000"/>
           </a:xfrm>
           <a:prstGeom prst="diamond">
@@ -6729,7 +6385,7 @@
         </p:nvSpPr>
         <p:spPr>
           <a:xfrm>
-            <a:off x="8662582" y="2514193"/>
+            <a:off x="7993525" y="2514600"/>
             <a:ext cx="144000" cy="144000"/>
           </a:xfrm>
           <a:prstGeom prst="diamond">
@@ -6757,47 +6413,7 @@
           <a:lstStyle/>
           <a:p>
             <a:pPr algn="ctr"/>
-            <a:endParaRPr lang="en-SG" sz="1600" b="1"/>
-          </a:p>
-        </p:txBody>
-      </p:sp>
-      <p:sp>
-        <p:nvSpPr>
-          <p:cNvPr id="122" name="Diamond 121"/>
-          <p:cNvSpPr/>
-          <p:nvPr/>
-        </p:nvSpPr>
-        <p:spPr>
-          <a:xfrm>
-            <a:off x="6804968" y="1098169"/>
-            <a:ext cx="144000" cy="144000"/>
-          </a:xfrm>
-          <a:prstGeom prst="diamond">
-            <a:avLst/>
-          </a:prstGeom>
-        </p:spPr>
-        <p:style>
-          <a:lnRef idx="2">
-            <a:schemeClr val="accent1">
-              <a:shade val="50000"/>
-            </a:schemeClr>
-          </a:lnRef>
-          <a:fillRef idx="1">
-            <a:schemeClr val="accent1"/>
-          </a:fillRef>
-          <a:effectRef idx="0">
-            <a:schemeClr val="accent1"/>
-          </a:effectRef>
-          <a:fontRef idx="minor">
-            <a:schemeClr val="lt1"/>
-          </a:fontRef>
-        </p:style>
-        <p:txBody>
-          <a:bodyPr rtlCol="0" anchor="ctr"/>
-          <a:lstStyle/>
-          <a:p>
-            <a:pPr algn="ctr"/>
-            <a:endParaRPr lang="en-SG" sz="1600" b="1"/>
+            <a:endParaRPr lang="en-SG"/>
           </a:p>
         </p:txBody>
       </p:sp>
@@ -6809,7 +6425,7 @@
         </p:nvSpPr>
         <p:spPr>
           <a:xfrm>
-            <a:off x="7604075" y="990600"/>
+            <a:off x="6689725" y="838200"/>
             <a:ext cx="170709" cy="200457"/>
           </a:xfrm>
           <a:prstGeom prst="rect">
@@ -6851,7 +6467,7 @@
         </p:nvSpPr>
         <p:spPr>
           <a:xfrm>
-            <a:off x="7412255" y="1089836"/>
+            <a:off x="6461125" y="922800"/>
             <a:ext cx="144000" cy="144000"/>
           </a:xfrm>
           <a:prstGeom prst="diamond">
@@ -6894,12 +6510,12 @@
         </p:nvCxnSpPr>
         <p:spPr>
           <a:xfrm rot="16200000" flipH="1" flipV="1">
-            <a:off x="4489183" y="-1376400"/>
-            <a:ext cx="528836" cy="5461308"/>
+            <a:off x="4282236" y="-1260289"/>
+            <a:ext cx="67800" cy="4433978"/>
           </a:xfrm>
           <a:prstGeom prst="bentConnector3">
             <a:avLst>
-              <a:gd name="adj1" fmla="val -72533"/>
+              <a:gd name="adj1" fmla="val -337168"/>
             </a:avLst>
           </a:prstGeom>
           <a:ln w="57150" cmpd="dbl">
@@ -6932,51 +6548,13 @@
       </p:cxnSp>
       <p:sp>
         <p:nvSpPr>
-          <p:cNvPr id="126" name="TextBox 125"/>
-          <p:cNvSpPr txBox="1"/>
-          <p:nvPr/>
-        </p:nvSpPr>
-        <p:spPr>
-          <a:xfrm>
-            <a:off x="4917263" y="1951615"/>
-            <a:ext cx="170709" cy="200457"/>
-          </a:xfrm>
-          <a:prstGeom prst="rect">
-            <a:avLst/>
-          </a:prstGeom>
-          <a:noFill/>
-        </p:spPr>
-        <p:txBody>
-          <a:bodyPr wrap="square" lIns="0" tIns="0" rIns="0" bIns="0" rtlCol="0" anchor="ctr" anchorCtr="0">
-            <a:noAutofit/>
-          </a:bodyPr>
-          <a:lstStyle/>
-          <a:p>
-            <a:r>
-              <a:rPr lang="en-US" b="1" dirty="0" smtClean="0">
-                <a:solidFill>
-                  <a:srgbClr val="0070C0"/>
-                </a:solidFill>
-              </a:rPr>
-              <a:t>*</a:t>
-            </a:r>
-            <a:endParaRPr lang="en-SG" b="1" dirty="0">
-              <a:solidFill>
-                <a:srgbClr val="0070C0"/>
-              </a:solidFill>
-            </a:endParaRPr>
-          </a:p>
-        </p:txBody>
-      </p:sp>
-      <p:sp>
-        <p:nvSpPr>
           <p:cNvPr id="127" name="TextBox 126"/>
           <p:cNvSpPr txBox="1"/>
           <p:nvPr/>
         </p:nvSpPr>
         <p:spPr>
           <a:xfrm>
-            <a:off x="4910269" y="2668643"/>
+            <a:off x="4327525" y="2209800"/>
             <a:ext cx="170709" cy="200457"/>
           </a:xfrm>
           <a:prstGeom prst="rect">
@@ -7018,7 +6596,7 @@
         </p:nvSpPr>
         <p:spPr>
           <a:xfrm>
-            <a:off x="6624903" y="2057400"/>
+            <a:off x="6094502" y="2057400"/>
             <a:ext cx="1204823" cy="361770"/>
           </a:xfrm>
           <a:prstGeom prst="rect">
@@ -7077,9 +6655,9 @@
           <p:nvPr/>
         </p:nvCxnSpPr>
         <p:spPr>
-          <a:xfrm flipV="1">
-            <a:off x="6119167" y="2238285"/>
-            <a:ext cx="505736" cy="170872"/>
+          <a:xfrm>
+            <a:off x="5318125" y="1933485"/>
+            <a:ext cx="776377" cy="304800"/>
           </a:xfrm>
           <a:prstGeom prst="bentConnector3">
             <a:avLst>
@@ -7124,9 +6702,9 @@
           <p:nvPr/>
         </p:nvCxnSpPr>
         <p:spPr>
-          <a:xfrm rot="5400000">
-            <a:off x="7004762" y="1833717"/>
-            <a:ext cx="446236" cy="1130"/>
+          <a:xfrm rot="16200000" flipH="1">
+            <a:off x="6314656" y="1675142"/>
+            <a:ext cx="609600" cy="154916"/>
           </a:xfrm>
           <a:prstGeom prst="bentConnector3">
             <a:avLst>
@@ -7171,9 +6749,9 @@
           <p:nvPr/>
         </p:nvCxnSpPr>
         <p:spPr>
-          <a:xfrm rot="16200000" flipV="1">
-            <a:off x="7070665" y="2575821"/>
-            <a:ext cx="319051" cy="5749"/>
+          <a:xfrm rot="5400000" flipH="1" flipV="1">
+            <a:off x="6222910" y="2345397"/>
+            <a:ext cx="400230" cy="547777"/>
           </a:xfrm>
           <a:prstGeom prst="bentConnector3">
             <a:avLst>
@@ -7216,7 +6794,7 @@
         </p:nvSpPr>
         <p:spPr>
           <a:xfrm>
-            <a:off x="7381766" y="1642192"/>
+            <a:off x="6765925" y="1828800"/>
             <a:ext cx="170709" cy="200457"/>
           </a:xfrm>
           <a:prstGeom prst="rect">
@@ -7258,7 +6836,7 @@
         </p:nvSpPr>
         <p:spPr>
           <a:xfrm>
-            <a:off x="6969871" y="2498763"/>
+            <a:off x="6823816" y="2438400"/>
             <a:ext cx="170709" cy="200457"/>
           </a:xfrm>
           <a:prstGeom prst="rect">
@@ -7300,7 +6878,7 @@
         </p:nvSpPr>
         <p:spPr>
           <a:xfrm>
-            <a:off x="6162966" y="2078988"/>
+            <a:off x="5470525" y="1628343"/>
             <a:ext cx="170709" cy="200457"/>
           </a:xfrm>
           <a:prstGeom prst="rect">
@@ -7336,14 +6914,14 @@
       </p:sp>
       <p:sp>
         <p:nvSpPr>
-          <p:cNvPr id="137" name="Rectangle 136"/>
+          <p:cNvPr id="68" name="Rectangle 67"/>
           <p:cNvSpPr/>
           <p:nvPr/>
         </p:nvSpPr>
         <p:spPr>
           <a:xfrm>
-            <a:off x="5880569" y="4431247"/>
-            <a:ext cx="1808860" cy="318459"/>
+            <a:off x="1449761" y="2438400"/>
+            <a:ext cx="1478600" cy="774952"/>
           </a:xfrm>
           <a:prstGeom prst="rect">
             <a:avLst/>
@@ -7384,63 +6962,6 @@
           <a:p>
             <a:pPr algn="ctr"/>
             <a:r>
-              <a:rPr lang="en-US" sz="1600" b="1" dirty="0" err="1"/>
-              <a:t>CommentsDb</a:t>
-            </a:r>
-            <a:endParaRPr lang="en-SG" sz="1600" b="1" dirty="0"/>
-          </a:p>
-        </p:txBody>
-      </p:sp>
-      <p:sp>
-        <p:nvSpPr>
-          <p:cNvPr id="68" name="Rectangle 67"/>
-          <p:cNvSpPr/>
-          <p:nvPr/>
-        </p:nvSpPr>
-        <p:spPr>
-          <a:xfrm>
-            <a:off x="1449761" y="2694220"/>
-            <a:ext cx="1478600" cy="774952"/>
-          </a:xfrm>
-          <a:prstGeom prst="rect">
-            <a:avLst/>
-          </a:prstGeom>
-          <a:solidFill>
-            <a:schemeClr val="accent3">
-              <a:lumMod val="75000"/>
-            </a:schemeClr>
-          </a:solidFill>
-          <a:ln>
-            <a:solidFill>
-              <a:schemeClr val="accent3">
-                <a:lumMod val="50000"/>
-              </a:schemeClr>
-            </a:solidFill>
-          </a:ln>
-          <a:effectLst/>
-        </p:spPr>
-        <p:style>
-          <a:lnRef idx="2">
-            <a:schemeClr val="accent6">
-              <a:shade val="50000"/>
-            </a:schemeClr>
-          </a:lnRef>
-          <a:fillRef idx="1">
-            <a:schemeClr val="accent6"/>
-          </a:fillRef>
-          <a:effectRef idx="0">
-            <a:schemeClr val="accent6"/>
-          </a:effectRef>
-          <a:fontRef idx="minor">
-            <a:schemeClr val="lt1"/>
-          </a:fontRef>
-        </p:style>
-        <p:txBody>
-          <a:bodyPr rtlCol="0" anchor="ctr"/>
-          <a:lstStyle/>
-          <a:p>
-            <a:pPr algn="ctr"/>
-            <a:r>
               <a:rPr lang="en-US" sz="1600" b="1" dirty="0" smtClean="0"/>
               <a:t>Feedback</a:t>
             </a:r>
@@ -7470,8 +6991,8 @@
         </p:nvCxnSpPr>
         <p:spPr>
           <a:xfrm rot="5400000">
-            <a:off x="1273886" y="2387546"/>
-            <a:ext cx="616998" cy="6350"/>
+            <a:off x="1210601" y="1844394"/>
+            <a:ext cx="981392" cy="206622"/>
           </a:xfrm>
           <a:prstGeom prst="bentConnector3">
             <a:avLst>
@@ -7514,7 +7035,7 @@
         </p:nvSpPr>
         <p:spPr>
           <a:xfrm>
-            <a:off x="1732531" y="2106900"/>
+            <a:off x="1732531" y="2161743"/>
             <a:ext cx="170709" cy="200457"/>
           </a:xfrm>
           <a:prstGeom prst="rect">
@@ -7550,31 +7071,60 @@
       </p:sp>
       <p:sp>
         <p:nvSpPr>
-          <p:cNvPr id="138" name="Rectangle 137"/>
+          <p:cNvPr id="139" name="TextBox 138"/>
+          <p:cNvSpPr txBox="1"/>
+          <p:nvPr/>
+        </p:nvSpPr>
+        <p:spPr>
+          <a:xfrm>
+            <a:off x="3394816" y="2618943"/>
+            <a:ext cx="170709" cy="200457"/>
+          </a:xfrm>
+          <a:prstGeom prst="rect">
+            <a:avLst/>
+          </a:prstGeom>
+          <a:noFill/>
+        </p:spPr>
+        <p:txBody>
+          <a:bodyPr wrap="square" lIns="0" tIns="0" rIns="0" bIns="0" rtlCol="0" anchor="ctr" anchorCtr="0">
+            <a:noAutofit/>
+          </a:bodyPr>
+          <a:lstStyle/>
+          <a:p>
+            <a:r>
+              <a:rPr lang="en-US" b="1" dirty="0" smtClean="0">
+                <a:solidFill>
+                  <a:schemeClr val="accent5">
+                    <a:lumMod val="75000"/>
+                  </a:schemeClr>
+                </a:solidFill>
+              </a:rPr>
+              <a:t>*</a:t>
+            </a:r>
+            <a:endParaRPr lang="en-SG" b="1" dirty="0">
+              <a:solidFill>
+                <a:schemeClr val="accent5">
+                  <a:lumMod val="75000"/>
+                </a:schemeClr>
+              </a:solidFill>
+            </a:endParaRPr>
+          </a:p>
+        </p:txBody>
+      </p:sp>
+      <p:sp>
+        <p:nvSpPr>
+          <p:cNvPr id="140" name="Rectangle 139"/>
           <p:cNvSpPr/>
           <p:nvPr/>
         </p:nvSpPr>
         <p:spPr>
           <a:xfrm>
-            <a:off x="5880569" y="4817731"/>
-            <a:ext cx="1808860" cy="476157"/>
-          </a:xfrm>
-          <a:prstGeom prst="rect">
-            <a:avLst/>
-          </a:prstGeom>
-          <a:solidFill>
-            <a:schemeClr val="accent3">
-              <a:lumMod val="75000"/>
-            </a:schemeClr>
-          </a:solidFill>
-          <a:ln>
-            <a:solidFill>
-              <a:schemeClr val="accent3">
-                <a:lumMod val="50000"/>
-              </a:schemeClr>
-            </a:solidFill>
-          </a:ln>
-          <a:effectLst/>
+            <a:off x="8320083" y="962110"/>
+            <a:ext cx="884242" cy="561890"/>
+          </a:xfrm>
+          <a:prstGeom prst="rect">
+            <a:avLst/>
+          </a:prstGeom>
         </p:spPr>
         <p:style>
           <a:lnRef idx="2">
@@ -7598,19 +7148,975 @@
           <a:p>
             <a:pPr algn="ctr"/>
             <a:r>
+              <a:rPr lang="en-US" sz="1600" b="1" dirty="0" smtClean="0"/>
+              <a:t>Student</a:t>
+            </a:r>
+          </a:p>
+          <a:p>
+            <a:pPr algn="ctr"/>
+            <a:r>
+              <a:rPr lang="en-US" sz="1600" b="1" dirty="0" smtClean="0"/>
+              <a:t>Profile</a:t>
+            </a:r>
+            <a:endParaRPr lang="en-SG" sz="1600" b="1" dirty="0"/>
+          </a:p>
+        </p:txBody>
+      </p:sp>
+      <p:cxnSp>
+        <p:nvCxnSpPr>
+          <p:cNvPr id="141" name="Elbow Connector 140"/>
+          <p:cNvCxnSpPr>
+            <a:stCxn id="142" idx="3"/>
+            <a:endCxn id="140" idx="2"/>
+          </p:cNvCxnSpPr>
+          <p:nvPr/>
+        </p:nvCxnSpPr>
+        <p:spPr>
+          <a:xfrm flipH="1" flipV="1">
+            <a:off x="8762204" y="1524000"/>
+            <a:ext cx="61121" cy="842400"/>
+          </a:xfrm>
+          <a:prstGeom prst="bentConnector4">
+            <a:avLst>
+              <a:gd name="adj1" fmla="val -374012"/>
+              <a:gd name="adj2" fmla="val 54274"/>
+            </a:avLst>
+          </a:prstGeom>
+          <a:ln w="57150" cmpd="dbl">
+            <a:solidFill>
+              <a:schemeClr val="accent6">
+                <a:lumMod val="50000"/>
+              </a:schemeClr>
+            </a:solidFill>
+            <a:prstDash val="solid"/>
+            <a:headEnd type="triangle" w="med" len="med"/>
+            <a:tailEnd type="none" w="med" len="med"/>
+          </a:ln>
+        </p:spPr>
+        <p:style>
+          <a:lnRef idx="2">
+            <a:schemeClr val="accent6">
+              <a:shade val="50000"/>
+            </a:schemeClr>
+          </a:lnRef>
+          <a:fillRef idx="1">
+            <a:schemeClr val="accent6"/>
+          </a:fillRef>
+          <a:effectRef idx="0">
+            <a:schemeClr val="accent6"/>
+          </a:effectRef>
+          <a:fontRef idx="minor">
+            <a:schemeClr val="lt1"/>
+          </a:fontRef>
+        </p:style>
+      </p:cxnSp>
+      <p:sp>
+        <p:nvSpPr>
+          <p:cNvPr id="142" name="Diamond 141"/>
+          <p:cNvSpPr/>
+          <p:nvPr/>
+        </p:nvSpPr>
+        <p:spPr>
+          <a:xfrm>
+            <a:off x="8679325" y="2294400"/>
+            <a:ext cx="144000" cy="144000"/>
+          </a:xfrm>
+          <a:prstGeom prst="diamond">
+            <a:avLst/>
+          </a:prstGeom>
+        </p:spPr>
+        <p:style>
+          <a:lnRef idx="2">
+            <a:schemeClr val="accent6">
+              <a:shade val="50000"/>
+            </a:schemeClr>
+          </a:lnRef>
+          <a:fillRef idx="1">
+            <a:schemeClr val="accent6"/>
+          </a:fillRef>
+          <a:effectRef idx="0">
+            <a:schemeClr val="accent6"/>
+          </a:effectRef>
+          <a:fontRef idx="minor">
+            <a:schemeClr val="lt1"/>
+          </a:fontRef>
+        </p:style>
+        <p:txBody>
+          <a:bodyPr rtlCol="0" anchor="ctr"/>
+          <a:lstStyle/>
+          <a:p>
+            <a:pPr algn="ctr"/>
+            <a:endParaRPr lang="en-SG" sz="1600" b="1"/>
+          </a:p>
+        </p:txBody>
+      </p:sp>
+      <p:sp>
+        <p:nvSpPr>
+          <p:cNvPr id="143" name="Rectangle 142"/>
+          <p:cNvSpPr/>
+          <p:nvPr/>
+        </p:nvSpPr>
+        <p:spPr>
+          <a:xfrm>
+            <a:off x="6554537" y="4073516"/>
+            <a:ext cx="2396412" cy="360000"/>
+          </a:xfrm>
+          <a:prstGeom prst="rect">
+            <a:avLst/>
+          </a:prstGeom>
+        </p:spPr>
+        <p:style>
+          <a:lnRef idx="2">
+            <a:schemeClr val="accent1">
+              <a:shade val="50000"/>
+            </a:schemeClr>
+          </a:lnRef>
+          <a:fillRef idx="1">
+            <a:schemeClr val="accent1"/>
+          </a:fillRef>
+          <a:effectRef idx="0">
+            <a:schemeClr val="accent1"/>
+          </a:effectRef>
+          <a:fontRef idx="minor">
+            <a:schemeClr val="lt1"/>
+          </a:fontRef>
+        </p:style>
+        <p:txBody>
+          <a:bodyPr rtlCol="0" anchor="ctr"/>
+          <a:lstStyle/>
+          <a:p>
+            <a:pPr algn="ctr"/>
+            <a:r>
               <a:rPr lang="en-US" sz="1600" b="1" dirty="0" err="1" smtClean="0"/>
-              <a:t>FeedbackResponse</a:t>
+              <a:t>SearchManager</a:t>
+            </a:r>
+            <a:endParaRPr lang="en-SG" sz="1600" b="1" dirty="0"/>
+          </a:p>
+        </p:txBody>
+      </p:sp>
+      <p:sp>
+        <p:nvSpPr>
+          <p:cNvPr id="144" name="Rectangle 143"/>
+          <p:cNvSpPr/>
+          <p:nvPr/>
+        </p:nvSpPr>
+        <p:spPr>
+          <a:xfrm>
+            <a:off x="6218840" y="4648200"/>
+            <a:ext cx="1774685" cy="360000"/>
+          </a:xfrm>
+          <a:prstGeom prst="rect">
+            <a:avLst/>
+          </a:prstGeom>
+        </p:spPr>
+        <p:style>
+          <a:lnRef idx="2">
+            <a:schemeClr val="accent1">
+              <a:shade val="50000"/>
+            </a:schemeClr>
+          </a:lnRef>
+          <a:fillRef idx="1">
+            <a:schemeClr val="accent1"/>
+          </a:fillRef>
+          <a:effectRef idx="0">
+            <a:schemeClr val="accent1"/>
+          </a:effectRef>
+          <a:fontRef idx="minor">
+            <a:schemeClr val="lt1"/>
+          </a:fontRef>
+        </p:style>
+        <p:txBody>
+          <a:bodyPr rtlCol="0" anchor="ctr"/>
+          <a:lstStyle/>
+          <a:p>
+            <a:pPr algn="ctr"/>
+            <a:r>
+              <a:rPr lang="en-US" sz="1600" b="1" dirty="0" err="1" smtClean="0"/>
+              <a:t>SearchQuery</a:t>
+            </a:r>
+            <a:endParaRPr lang="en-SG" sz="1600" b="1" dirty="0"/>
+          </a:p>
+        </p:txBody>
+      </p:sp>
+      <p:sp>
+        <p:nvSpPr>
+          <p:cNvPr id="145" name="Rectangle 144"/>
+          <p:cNvSpPr/>
+          <p:nvPr/>
+        </p:nvSpPr>
+        <p:spPr>
+          <a:xfrm>
+            <a:off x="6218840" y="5867400"/>
+            <a:ext cx="1774685" cy="360000"/>
+          </a:xfrm>
+          <a:prstGeom prst="rect">
+            <a:avLst/>
+          </a:prstGeom>
+        </p:spPr>
+        <p:style>
+          <a:lnRef idx="2">
+            <a:schemeClr val="accent1">
+              <a:shade val="50000"/>
+            </a:schemeClr>
+          </a:lnRef>
+          <a:fillRef idx="1">
+            <a:schemeClr val="accent1"/>
+          </a:fillRef>
+          <a:effectRef idx="0">
+            <a:schemeClr val="accent1"/>
+          </a:effectRef>
+          <a:fontRef idx="minor">
+            <a:schemeClr val="lt1"/>
+          </a:fontRef>
+        </p:style>
+        <p:txBody>
+          <a:bodyPr rtlCol="0" anchor="ctr"/>
+          <a:lstStyle/>
+          <a:p>
+            <a:pPr algn="ctr"/>
+            <a:r>
+              <a:rPr lang="en-US" sz="1600" b="1" dirty="0" err="1" smtClean="0"/>
+              <a:t>SearchDocument</a:t>
+            </a:r>
+            <a:endParaRPr lang="en-SG" sz="1600" b="1" dirty="0"/>
+          </a:p>
+        </p:txBody>
+      </p:sp>
+      <p:sp>
+        <p:nvSpPr>
+          <p:cNvPr id="146" name="TextBox 145"/>
+          <p:cNvSpPr txBox="1"/>
+          <p:nvPr/>
+        </p:nvSpPr>
+        <p:spPr>
+          <a:xfrm>
+            <a:off x="8823325" y="2438400"/>
+            <a:ext cx="170709" cy="200457"/>
+          </a:xfrm>
+          <a:prstGeom prst="rect">
+            <a:avLst/>
+          </a:prstGeom>
+          <a:noFill/>
+        </p:spPr>
+        <p:txBody>
+          <a:bodyPr wrap="square" lIns="0" tIns="0" rIns="0" bIns="0" rtlCol="0" anchor="ctr" anchorCtr="0">
+            <a:noAutofit/>
+          </a:bodyPr>
+          <a:lstStyle/>
+          <a:p>
+            <a:r>
+              <a:rPr lang="en-US" sz="1600" dirty="0">
+                <a:solidFill>
+                  <a:schemeClr val="accent6">
+                    <a:lumMod val="75000"/>
+                  </a:schemeClr>
+                </a:solidFill>
+              </a:rPr>
+              <a:t>1</a:t>
+            </a:r>
+            <a:endParaRPr lang="en-SG" sz="1600" dirty="0">
+              <a:solidFill>
+                <a:schemeClr val="accent6">
+                  <a:lumMod val="75000"/>
+                </a:schemeClr>
+              </a:solidFill>
+            </a:endParaRPr>
+          </a:p>
+        </p:txBody>
+      </p:sp>
+      <p:cxnSp>
+        <p:nvCxnSpPr>
+          <p:cNvPr id="147" name="Straight Arrow Connector 146"/>
+          <p:cNvCxnSpPr/>
+          <p:nvPr/>
+        </p:nvCxnSpPr>
+        <p:spPr>
+          <a:xfrm rot="16200000" flipV="1">
+            <a:off x="5976325" y="5037600"/>
+            <a:ext cx="0" cy="288000"/>
+          </a:xfrm>
+          <a:prstGeom prst="straightConnector1">
+            <a:avLst/>
+          </a:prstGeom>
+          <a:ln>
+            <a:solidFill>
+              <a:schemeClr val="accent3">
+                <a:lumMod val="75000"/>
+              </a:schemeClr>
+            </a:solidFill>
+            <a:prstDash val="sysDot"/>
+            <a:headEnd type="arrow" w="med" len="med"/>
+            <a:tailEnd type="none" w="med" len="med"/>
+          </a:ln>
+        </p:spPr>
+        <p:style>
+          <a:lnRef idx="2">
+            <a:schemeClr val="accent2">
+              <a:shade val="50000"/>
+            </a:schemeClr>
+          </a:lnRef>
+          <a:fillRef idx="1">
+            <a:schemeClr val="accent2"/>
+          </a:fillRef>
+          <a:effectRef idx="0">
+            <a:schemeClr val="accent2"/>
+          </a:effectRef>
+          <a:fontRef idx="minor">
+            <a:schemeClr val="lt1"/>
+          </a:fontRef>
+        </p:style>
+      </p:cxnSp>
+      <p:sp>
+        <p:nvSpPr>
+          <p:cNvPr id="148" name="Rectangle 147"/>
+          <p:cNvSpPr/>
+          <p:nvPr/>
+        </p:nvSpPr>
+        <p:spPr>
+          <a:xfrm>
+            <a:off x="2671065" y="3875231"/>
+            <a:ext cx="1808860" cy="318459"/>
+          </a:xfrm>
+          <a:prstGeom prst="rect">
+            <a:avLst/>
+          </a:prstGeom>
+        </p:spPr>
+        <p:style>
+          <a:lnRef idx="2">
+            <a:schemeClr val="accent4">
+              <a:shade val="50000"/>
+            </a:schemeClr>
+          </a:lnRef>
+          <a:fillRef idx="1">
+            <a:schemeClr val="accent4"/>
+          </a:fillRef>
+          <a:effectRef idx="0">
+            <a:schemeClr val="accent4"/>
+          </a:effectRef>
+          <a:fontRef idx="minor">
+            <a:schemeClr val="lt1"/>
+          </a:fontRef>
+        </p:style>
+        <p:txBody>
+          <a:bodyPr rtlCol="0" anchor="ctr"/>
+          <a:lstStyle/>
+          <a:p>
+            <a:pPr algn="ctr"/>
+            <a:r>
+              <a:rPr lang="en-US" sz="1600" b="1" dirty="0" err="1" smtClean="0"/>
+              <a:t>EntitiesDb</a:t>
+            </a:r>
+            <a:endParaRPr lang="en-SG" sz="1600" b="1" dirty="0"/>
+          </a:p>
+        </p:txBody>
+      </p:sp>
+      <p:sp>
+        <p:nvSpPr>
+          <p:cNvPr id="149" name="Rectangle 148"/>
+          <p:cNvSpPr/>
+          <p:nvPr/>
+        </p:nvSpPr>
+        <p:spPr>
+          <a:xfrm>
+            <a:off x="1479081" y="4405941"/>
+            <a:ext cx="1808860" cy="318459"/>
+          </a:xfrm>
+          <a:prstGeom prst="rect">
+            <a:avLst/>
+          </a:prstGeom>
+        </p:spPr>
+        <p:style>
+          <a:lnRef idx="2">
+            <a:schemeClr val="accent4">
+              <a:shade val="50000"/>
+            </a:schemeClr>
+          </a:lnRef>
+          <a:fillRef idx="1">
+            <a:schemeClr val="accent4"/>
+          </a:fillRef>
+          <a:effectRef idx="0">
+            <a:schemeClr val="accent4"/>
+          </a:effectRef>
+          <a:fontRef idx="minor">
+            <a:schemeClr val="lt1"/>
+          </a:fontRef>
+        </p:style>
+        <p:txBody>
+          <a:bodyPr rtlCol="0" anchor="ctr"/>
+          <a:lstStyle/>
+          <a:p>
+            <a:pPr algn="ctr"/>
+            <a:r>
+              <a:rPr lang="en-US" sz="1600" b="1" dirty="0" err="1" smtClean="0"/>
+              <a:t>CoursesDb</a:t>
+            </a:r>
+            <a:endParaRPr lang="en-SG" sz="1600" b="1" dirty="0"/>
+          </a:p>
+        </p:txBody>
+      </p:sp>
+      <p:sp>
+        <p:nvSpPr>
+          <p:cNvPr id="150" name="Rectangle 149"/>
+          <p:cNvSpPr/>
+          <p:nvPr/>
+        </p:nvSpPr>
+        <p:spPr>
+          <a:xfrm>
+            <a:off x="1479081" y="4914242"/>
+            <a:ext cx="1808860" cy="318459"/>
+          </a:xfrm>
+          <a:prstGeom prst="rect">
+            <a:avLst/>
+          </a:prstGeom>
+        </p:spPr>
+        <p:style>
+          <a:lnRef idx="2">
+            <a:schemeClr val="accent4">
+              <a:shade val="50000"/>
+            </a:schemeClr>
+          </a:lnRef>
+          <a:fillRef idx="1">
+            <a:schemeClr val="accent4"/>
+          </a:fillRef>
+          <a:effectRef idx="0">
+            <a:schemeClr val="accent4"/>
+          </a:effectRef>
+          <a:fontRef idx="minor">
+            <a:schemeClr val="lt1"/>
+          </a:fontRef>
+        </p:style>
+        <p:txBody>
+          <a:bodyPr rtlCol="0" anchor="ctr"/>
+          <a:lstStyle/>
+          <a:p>
+            <a:pPr algn="ctr"/>
+            <a:r>
+              <a:rPr lang="en-US" sz="1600" b="1" dirty="0" err="1" smtClean="0"/>
+              <a:t>StudentsDb</a:t>
+            </a:r>
+            <a:endParaRPr lang="en-SG" sz="1600" b="1" dirty="0"/>
+          </a:p>
+        </p:txBody>
+      </p:sp>
+      <p:sp>
+        <p:nvSpPr>
+          <p:cNvPr id="151" name="Rectangle 150"/>
+          <p:cNvSpPr/>
+          <p:nvPr/>
+        </p:nvSpPr>
+        <p:spPr>
+          <a:xfrm>
+            <a:off x="3897453" y="4914242"/>
+            <a:ext cx="1808860" cy="318459"/>
+          </a:xfrm>
+          <a:prstGeom prst="rect">
+            <a:avLst/>
+          </a:prstGeom>
+        </p:spPr>
+        <p:style>
+          <a:lnRef idx="2">
+            <a:schemeClr val="accent4">
+              <a:shade val="50000"/>
+            </a:schemeClr>
+          </a:lnRef>
+          <a:fillRef idx="1">
+            <a:schemeClr val="accent4"/>
+          </a:fillRef>
+          <a:effectRef idx="0">
+            <a:schemeClr val="accent4"/>
+          </a:effectRef>
+          <a:fontRef idx="minor">
+            <a:schemeClr val="lt1"/>
+          </a:fontRef>
+        </p:style>
+        <p:txBody>
+          <a:bodyPr rtlCol="0" anchor="ctr"/>
+          <a:lstStyle/>
+          <a:p>
+            <a:pPr algn="ctr"/>
+            <a:r>
+              <a:rPr lang="en-US" sz="1600" b="1" dirty="0"/>
+              <a:t>*</a:t>
             </a:r>
             <a:r>
               <a:rPr lang="en-US" sz="1600" b="1" dirty="0" smtClean="0"/>
-              <a:t/>
-            </a:r>
-            <a:br>
+              <a:t>Db</a:t>
+            </a:r>
+            <a:endParaRPr lang="en-SG" sz="1600" b="1" dirty="0"/>
+          </a:p>
+        </p:txBody>
+      </p:sp>
+      <p:cxnSp>
+        <p:nvCxnSpPr>
+          <p:cNvPr id="14" name="Elbow Connector 13"/>
+          <p:cNvCxnSpPr>
+            <a:stCxn id="149" idx="3"/>
+            <a:endCxn id="148" idx="2"/>
+          </p:cNvCxnSpPr>
+          <p:nvPr/>
+        </p:nvCxnSpPr>
+        <p:spPr>
+          <a:xfrm flipV="1">
+            <a:off x="3287941" y="4193690"/>
+            <a:ext cx="287554" cy="371481"/>
+          </a:xfrm>
+          <a:prstGeom prst="bentConnector2">
+            <a:avLst/>
+          </a:prstGeom>
+          <a:ln w="25400">
+            <a:headEnd w="lg" len="lg"/>
+            <a:tailEnd type="triangle" w="lg" len="lg"/>
+          </a:ln>
+        </p:spPr>
+        <p:style>
+          <a:lnRef idx="1">
+            <a:schemeClr val="accent4"/>
+          </a:lnRef>
+          <a:fillRef idx="0">
+            <a:schemeClr val="accent4"/>
+          </a:fillRef>
+          <a:effectRef idx="0">
+            <a:schemeClr val="accent4"/>
+          </a:effectRef>
+          <a:fontRef idx="minor">
+            <a:schemeClr val="tx1"/>
+          </a:fontRef>
+        </p:style>
+      </p:cxnSp>
+      <p:cxnSp>
+        <p:nvCxnSpPr>
+          <p:cNvPr id="152" name="Elbow Connector 151"/>
+          <p:cNvCxnSpPr>
+            <a:stCxn id="95" idx="1"/>
+            <a:endCxn id="148" idx="2"/>
+          </p:cNvCxnSpPr>
+          <p:nvPr/>
+        </p:nvCxnSpPr>
+        <p:spPr>
+          <a:xfrm rot="10800000">
+            <a:off x="3575495" y="4193691"/>
+            <a:ext cx="321958" cy="387537"/>
+          </a:xfrm>
+          <a:prstGeom prst="bentConnector2">
+            <a:avLst/>
+          </a:prstGeom>
+          <a:ln w="25400">
+            <a:headEnd w="lg" len="lg"/>
+            <a:tailEnd type="triangle" w="lg" len="lg"/>
+          </a:ln>
+        </p:spPr>
+        <p:style>
+          <a:lnRef idx="1">
+            <a:schemeClr val="accent4"/>
+          </a:lnRef>
+          <a:fillRef idx="0">
+            <a:schemeClr val="accent4"/>
+          </a:fillRef>
+          <a:effectRef idx="0">
+            <a:schemeClr val="accent4"/>
+          </a:effectRef>
+          <a:fontRef idx="minor">
+            <a:schemeClr val="tx1"/>
+          </a:fontRef>
+        </p:style>
+      </p:cxnSp>
+      <p:cxnSp>
+        <p:nvCxnSpPr>
+          <p:cNvPr id="153" name="Elbow Connector 152"/>
+          <p:cNvCxnSpPr>
+            <a:stCxn id="150" idx="3"/>
+            <a:endCxn id="148" idx="2"/>
+          </p:cNvCxnSpPr>
+          <p:nvPr/>
+        </p:nvCxnSpPr>
+        <p:spPr>
+          <a:xfrm flipV="1">
+            <a:off x="3287941" y="4193690"/>
+            <a:ext cx="287554" cy="879782"/>
+          </a:xfrm>
+          <a:prstGeom prst="bentConnector2">
+            <a:avLst/>
+          </a:prstGeom>
+          <a:ln w="25400">
+            <a:headEnd w="lg" len="lg"/>
+            <a:tailEnd type="triangle" w="lg" len="lg"/>
+          </a:ln>
+        </p:spPr>
+        <p:style>
+          <a:lnRef idx="1">
+            <a:schemeClr val="accent4"/>
+          </a:lnRef>
+          <a:fillRef idx="0">
+            <a:schemeClr val="accent4"/>
+          </a:fillRef>
+          <a:effectRef idx="0">
+            <a:schemeClr val="accent4"/>
+          </a:effectRef>
+          <a:fontRef idx="minor">
+            <a:schemeClr val="tx1"/>
+          </a:fontRef>
+        </p:style>
+      </p:cxnSp>
+      <p:cxnSp>
+        <p:nvCxnSpPr>
+          <p:cNvPr id="154" name="Elbow Connector 153"/>
+          <p:cNvCxnSpPr>
+            <a:stCxn id="151" idx="1"/>
+            <a:endCxn id="148" idx="2"/>
+          </p:cNvCxnSpPr>
+          <p:nvPr/>
+        </p:nvCxnSpPr>
+        <p:spPr>
+          <a:xfrm rot="10800000">
+            <a:off x="3575495" y="4193690"/>
+            <a:ext cx="321958" cy="879782"/>
+          </a:xfrm>
+          <a:prstGeom prst="bentConnector2">
+            <a:avLst/>
+          </a:prstGeom>
+          <a:ln w="25400">
+            <a:headEnd w="lg" len="lg"/>
+            <a:tailEnd type="triangle" w="lg" len="lg"/>
+          </a:ln>
+        </p:spPr>
+        <p:style>
+          <a:lnRef idx="1">
+            <a:schemeClr val="accent4"/>
+          </a:lnRef>
+          <a:fillRef idx="0">
+            <a:schemeClr val="accent4"/>
+          </a:fillRef>
+          <a:effectRef idx="0">
+            <a:schemeClr val="accent4"/>
+          </a:effectRef>
+          <a:fontRef idx="minor">
+            <a:schemeClr val="tx1"/>
+          </a:fontRef>
+        </p:style>
+      </p:cxnSp>
+      <p:cxnSp>
+        <p:nvCxnSpPr>
+          <p:cNvPr id="22" name="Elbow Connector 21"/>
+          <p:cNvCxnSpPr>
+            <a:stCxn id="156" idx="1"/>
+            <a:endCxn id="145" idx="2"/>
+          </p:cNvCxnSpPr>
+          <p:nvPr/>
+        </p:nvCxnSpPr>
+        <p:spPr>
+          <a:xfrm rot="10800000">
+            <a:off x="7106183" y="6227400"/>
+            <a:ext cx="193142" cy="298200"/>
+          </a:xfrm>
+          <a:prstGeom prst="bentConnector2">
+            <a:avLst/>
+          </a:prstGeom>
+          <a:ln w="25400">
+            <a:tailEnd type="triangle" w="lg" len="lg"/>
+          </a:ln>
+        </p:spPr>
+        <p:style>
+          <a:lnRef idx="1">
+            <a:schemeClr val="accent1"/>
+          </a:lnRef>
+          <a:fillRef idx="0">
+            <a:schemeClr val="accent1"/>
+          </a:fillRef>
+          <a:effectRef idx="0">
+            <a:schemeClr val="accent1"/>
+          </a:effectRef>
+          <a:fontRef idx="minor">
+            <a:schemeClr val="tx1"/>
+          </a:fontRef>
+        </p:style>
+      </p:cxnSp>
+      <p:cxnSp>
+        <p:nvCxnSpPr>
+          <p:cNvPr id="157" name="Elbow Connector 156"/>
+          <p:cNvCxnSpPr>
+            <a:stCxn id="155" idx="1"/>
+            <a:endCxn id="144" idx="2"/>
+          </p:cNvCxnSpPr>
+          <p:nvPr/>
+        </p:nvCxnSpPr>
+        <p:spPr>
+          <a:xfrm rot="10800000">
+            <a:off x="7106183" y="5008200"/>
+            <a:ext cx="193142" cy="353400"/>
+          </a:xfrm>
+          <a:prstGeom prst="bentConnector2">
+            <a:avLst/>
+          </a:prstGeom>
+          <a:ln w="25400">
+            <a:tailEnd type="triangle" w="lg" len="lg"/>
+          </a:ln>
+        </p:spPr>
+        <p:style>
+          <a:lnRef idx="1">
+            <a:schemeClr val="accent1"/>
+          </a:lnRef>
+          <a:fillRef idx="0">
+            <a:schemeClr val="accent1"/>
+          </a:fillRef>
+          <a:effectRef idx="0">
+            <a:schemeClr val="accent1"/>
+          </a:effectRef>
+          <a:fontRef idx="minor">
+            <a:schemeClr val="tx1"/>
+          </a:fontRef>
+        </p:style>
+      </p:cxnSp>
+      <p:sp>
+        <p:nvSpPr>
+          <p:cNvPr id="83" name="Rectangle 82"/>
+          <p:cNvSpPr/>
+          <p:nvPr/>
+        </p:nvSpPr>
+        <p:spPr>
+          <a:xfrm>
+            <a:off x="7451725" y="5355000"/>
+            <a:ext cx="1774685" cy="360000"/>
+          </a:xfrm>
+          <a:prstGeom prst="rect">
+            <a:avLst/>
+          </a:prstGeom>
+        </p:spPr>
+        <p:style>
+          <a:lnRef idx="2">
+            <a:schemeClr val="accent1">
+              <a:shade val="50000"/>
+            </a:schemeClr>
+          </a:lnRef>
+          <a:fillRef idx="1">
+            <a:schemeClr val="accent1"/>
+          </a:fillRef>
+          <a:effectRef idx="0">
+            <a:schemeClr val="accent1"/>
+          </a:effectRef>
+          <a:fontRef idx="minor">
+            <a:schemeClr val="lt1"/>
+          </a:fontRef>
+        </p:style>
+        <p:txBody>
+          <a:bodyPr rtlCol="0" anchor="ctr"/>
+          <a:lstStyle/>
+          <a:p>
+            <a:pPr algn="ctr"/>
+            <a:endParaRPr lang="en-SG" sz="1600" b="1" dirty="0"/>
+          </a:p>
+        </p:txBody>
+      </p:sp>
+      <p:sp>
+        <p:nvSpPr>
+          <p:cNvPr id="80" name="Rectangle 79"/>
+          <p:cNvSpPr/>
+          <p:nvPr/>
+        </p:nvSpPr>
+        <p:spPr>
+          <a:xfrm>
+            <a:off x="7375525" y="5278800"/>
+            <a:ext cx="1774685" cy="360000"/>
+          </a:xfrm>
+          <a:prstGeom prst="rect">
+            <a:avLst/>
+          </a:prstGeom>
+        </p:spPr>
+        <p:style>
+          <a:lnRef idx="2">
+            <a:schemeClr val="accent1">
+              <a:shade val="50000"/>
+            </a:schemeClr>
+          </a:lnRef>
+          <a:fillRef idx="1">
+            <a:schemeClr val="accent1"/>
+          </a:fillRef>
+          <a:effectRef idx="0">
+            <a:schemeClr val="accent1"/>
+          </a:effectRef>
+          <a:fontRef idx="minor">
+            <a:schemeClr val="lt1"/>
+          </a:fontRef>
+        </p:style>
+        <p:txBody>
+          <a:bodyPr rtlCol="0" anchor="ctr"/>
+          <a:lstStyle/>
+          <a:p>
+            <a:pPr algn="ctr"/>
+            <a:endParaRPr lang="en-SG" sz="1600" b="1" dirty="0"/>
+          </a:p>
+        </p:txBody>
+      </p:sp>
+      <p:sp>
+        <p:nvSpPr>
+          <p:cNvPr id="155" name="Rectangle 154"/>
+          <p:cNvSpPr/>
+          <p:nvPr/>
+        </p:nvSpPr>
+        <p:spPr>
+          <a:xfrm>
+            <a:off x="7299325" y="5181600"/>
+            <a:ext cx="1774685" cy="360000"/>
+          </a:xfrm>
+          <a:prstGeom prst="rect">
+            <a:avLst/>
+          </a:prstGeom>
+        </p:spPr>
+        <p:style>
+          <a:lnRef idx="2">
+            <a:schemeClr val="accent1">
+              <a:shade val="50000"/>
+            </a:schemeClr>
+          </a:lnRef>
+          <a:fillRef idx="1">
+            <a:schemeClr val="accent1"/>
+          </a:fillRef>
+          <a:effectRef idx="0">
+            <a:schemeClr val="accent1"/>
+          </a:effectRef>
+          <a:fontRef idx="minor">
+            <a:schemeClr val="lt1"/>
+          </a:fontRef>
+        </p:style>
+        <p:txBody>
+          <a:bodyPr rtlCol="0" anchor="ctr"/>
+          <a:lstStyle/>
+          <a:p>
+            <a:pPr algn="ctr"/>
+            <a:r>
               <a:rPr lang="en-US" sz="1600" b="1" dirty="0" smtClean="0"/>
-            </a:br>
+              <a:t>*</a:t>
+            </a:r>
             <a:r>
               <a:rPr lang="en-US" sz="1600" b="1" dirty="0" err="1" smtClean="0"/>
-              <a:t>CommentsDb</a:t>
+              <a:t>SearchQuery</a:t>
+            </a:r>
+            <a:endParaRPr lang="en-SG" sz="1600" b="1" dirty="0"/>
+          </a:p>
+        </p:txBody>
+      </p:sp>
+      <p:sp>
+        <p:nvSpPr>
+          <p:cNvPr id="85" name="Rectangle 84"/>
+          <p:cNvSpPr/>
+          <p:nvPr/>
+        </p:nvSpPr>
+        <p:spPr>
+          <a:xfrm>
+            <a:off x="7451725" y="6498000"/>
+            <a:ext cx="1774685" cy="360000"/>
+          </a:xfrm>
+          <a:prstGeom prst="rect">
+            <a:avLst/>
+          </a:prstGeom>
+        </p:spPr>
+        <p:style>
+          <a:lnRef idx="2">
+            <a:schemeClr val="accent1">
+              <a:shade val="50000"/>
+            </a:schemeClr>
+          </a:lnRef>
+          <a:fillRef idx="1">
+            <a:schemeClr val="accent1"/>
+          </a:fillRef>
+          <a:effectRef idx="0">
+            <a:schemeClr val="accent1"/>
+          </a:effectRef>
+          <a:fontRef idx="minor">
+            <a:schemeClr val="lt1"/>
+          </a:fontRef>
+        </p:style>
+        <p:txBody>
+          <a:bodyPr rtlCol="0" anchor="ctr"/>
+          <a:lstStyle/>
+          <a:p>
+            <a:pPr algn="ctr"/>
+            <a:endParaRPr lang="en-SG" sz="1600" b="1" dirty="0"/>
+          </a:p>
+        </p:txBody>
+      </p:sp>
+      <p:sp>
+        <p:nvSpPr>
+          <p:cNvPr id="84" name="Rectangle 83"/>
+          <p:cNvSpPr/>
+          <p:nvPr/>
+        </p:nvSpPr>
+        <p:spPr>
+          <a:xfrm>
+            <a:off x="7375525" y="6421800"/>
+            <a:ext cx="1774685" cy="360000"/>
+          </a:xfrm>
+          <a:prstGeom prst="rect">
+            <a:avLst/>
+          </a:prstGeom>
+        </p:spPr>
+        <p:style>
+          <a:lnRef idx="2">
+            <a:schemeClr val="accent1">
+              <a:shade val="50000"/>
+            </a:schemeClr>
+          </a:lnRef>
+          <a:fillRef idx="1">
+            <a:schemeClr val="accent1"/>
+          </a:fillRef>
+          <a:effectRef idx="0">
+            <a:schemeClr val="accent1"/>
+          </a:effectRef>
+          <a:fontRef idx="minor">
+            <a:schemeClr val="lt1"/>
+          </a:fontRef>
+        </p:style>
+        <p:txBody>
+          <a:bodyPr rtlCol="0" anchor="ctr"/>
+          <a:lstStyle/>
+          <a:p>
+            <a:pPr algn="ctr"/>
+            <a:endParaRPr lang="en-SG" sz="1600" b="1" dirty="0"/>
+          </a:p>
+        </p:txBody>
+      </p:sp>
+      <p:sp>
+        <p:nvSpPr>
+          <p:cNvPr id="156" name="Rectangle 155"/>
+          <p:cNvSpPr/>
+          <p:nvPr/>
+        </p:nvSpPr>
+        <p:spPr>
+          <a:xfrm>
+            <a:off x="7299325" y="6345600"/>
+            <a:ext cx="1774685" cy="360000"/>
+          </a:xfrm>
+          <a:prstGeom prst="rect">
+            <a:avLst/>
+          </a:prstGeom>
+        </p:spPr>
+        <p:style>
+          <a:lnRef idx="2">
+            <a:schemeClr val="accent1">
+              <a:shade val="50000"/>
+            </a:schemeClr>
+          </a:lnRef>
+          <a:fillRef idx="1">
+            <a:schemeClr val="accent1"/>
+          </a:fillRef>
+          <a:effectRef idx="0">
+            <a:schemeClr val="accent1"/>
+          </a:effectRef>
+          <a:fontRef idx="minor">
+            <a:schemeClr val="lt1"/>
+          </a:fontRef>
+        </p:style>
+        <p:txBody>
+          <a:bodyPr rtlCol="0" anchor="ctr"/>
+          <a:lstStyle/>
+          <a:p>
+            <a:pPr algn="ctr"/>
+            <a:r>
+              <a:rPr lang="en-US" sz="1600" b="1" dirty="0" smtClean="0"/>
+              <a:t>*</a:t>
+            </a:r>
+            <a:r>
+              <a:rPr lang="en-US" sz="1600" b="1" dirty="0" err="1" smtClean="0"/>
+              <a:t>SearchDocument</a:t>
             </a:r>
             <a:endParaRPr lang="en-SG" sz="1600" b="1" dirty="0"/>
           </a:p>
@@ -8208,4 +8714,265 @@
   <a:objectDefaults/>
   <a:extraClrSchemeLst/>
 </a:theme>
+</file>
+
+<file path=ppt/theme/theme3.xml><?xml version="1.0" encoding="utf-8"?>
+<a:theme xmlns:a="http://schemas.openxmlformats.org/drawingml/2006/main" name="Office Theme">
+  <a:themeElements>
+    <a:clrScheme name="Office">
+      <a:dk1>
+        <a:sysClr val="windowText" lastClr="000000"/>
+      </a:dk1>
+      <a:lt1>
+        <a:sysClr val="window" lastClr="FFFFFF"/>
+      </a:lt1>
+      <a:dk2>
+        <a:srgbClr val="44546A"/>
+      </a:dk2>
+      <a:lt2>
+        <a:srgbClr val="E7E6E6"/>
+      </a:lt2>
+      <a:accent1>
+        <a:srgbClr val="5B9BD5"/>
+      </a:accent1>
+      <a:accent2>
+        <a:srgbClr val="ED7D31"/>
+      </a:accent2>
+      <a:accent3>
+        <a:srgbClr val="A5A5A5"/>
+      </a:accent3>
+      <a:accent4>
+        <a:srgbClr val="FFC000"/>
+      </a:accent4>
+      <a:accent5>
+        <a:srgbClr val="4472C4"/>
+      </a:accent5>
+      <a:accent6>
+        <a:srgbClr val="70AD47"/>
+      </a:accent6>
+      <a:hlink>
+        <a:srgbClr val="0563C1"/>
+      </a:hlink>
+      <a:folHlink>
+        <a:srgbClr val="954F72"/>
+      </a:folHlink>
+    </a:clrScheme>
+    <a:fontScheme name="Office">
+      <a:majorFont>
+        <a:latin typeface="Calibri Light" panose="020F0302020204030204"/>
+        <a:ea typeface=""/>
+        <a:cs typeface=""/>
+        <a:font script="Jpan" typeface="ＭＳ Ｐゴシック"/>
+        <a:font script="Hang" typeface="맑은 고딕"/>
+        <a:font script="Hans" typeface="宋体"/>
+        <a:font script="Hant" typeface="新細明體"/>
+        <a:font script="Arab" typeface="Times New Roman"/>
+        <a:font script="Hebr" typeface="Times New Roman"/>
+        <a:font script="Thai" typeface="Angsana New"/>
+        <a:font script="Ethi" typeface="Nyala"/>
+        <a:font script="Beng" typeface="Vrinda"/>
+        <a:font script="Gujr" typeface="Shruti"/>
+        <a:font script="Khmr" typeface="MoolBoran"/>
+        <a:font script="Knda" typeface="Tunga"/>
+        <a:font script="Guru" typeface="Raavi"/>
+        <a:font script="Cans" typeface="Euphemia"/>
+        <a:font script="Cher" typeface="Plantagenet Cherokee"/>
+        <a:font script="Yiii" typeface="Microsoft Yi Baiti"/>
+        <a:font script="Tibt" typeface="Microsoft Himalaya"/>
+        <a:font script="Thaa" typeface="MV Boli"/>
+        <a:font script="Deva" typeface="Mangal"/>
+        <a:font script="Telu" typeface="Gautami"/>
+        <a:font script="Taml" typeface="Latha"/>
+        <a:font script="Syrc" typeface="Estrangelo Edessa"/>
+        <a:font script="Orya" typeface="Kalinga"/>
+        <a:font script="Mlym" typeface="Kartika"/>
+        <a:font script="Laoo" typeface="DokChampa"/>
+        <a:font script="Sinh" typeface="Iskoola Pota"/>
+        <a:font script="Mong" typeface="Mongolian Baiti"/>
+        <a:font script="Viet" typeface="Times New Roman"/>
+        <a:font script="Uigh" typeface="Microsoft Uighur"/>
+        <a:font script="Geor" typeface="Sylfaen"/>
+      </a:majorFont>
+      <a:minorFont>
+        <a:latin typeface="Calibri" panose="020F0502020204030204"/>
+        <a:ea typeface=""/>
+        <a:cs typeface=""/>
+        <a:font script="Jpan" typeface="ＭＳ Ｐゴシック"/>
+        <a:font script="Hang" typeface="맑은 고딕"/>
+        <a:font script="Hans" typeface="宋体"/>
+        <a:font script="Hant" typeface="新細明體"/>
+        <a:font script="Arab" typeface="Arial"/>
+        <a:font script="Hebr" typeface="Arial"/>
+        <a:font script="Thai" typeface="Cordia New"/>
+        <a:font script="Ethi" typeface="Nyala"/>
+        <a:font script="Beng" typeface="Vrinda"/>
+        <a:font script="Gujr" typeface="Shruti"/>
+        <a:font script="Khmr" typeface="DaunPenh"/>
+        <a:font script="Knda" typeface="Tunga"/>
+        <a:font script="Guru" typeface="Raavi"/>
+        <a:font script="Cans" typeface="Euphemia"/>
+        <a:font script="Cher" typeface="Plantagenet Cherokee"/>
+        <a:font script="Yiii" typeface="Microsoft Yi Baiti"/>
+        <a:font script="Tibt" typeface="Microsoft Himalaya"/>
+        <a:font script="Thaa" typeface="MV Boli"/>
+        <a:font script="Deva" typeface="Mangal"/>
+        <a:font script="Telu" typeface="Gautami"/>
+        <a:font script="Taml" typeface="Latha"/>
+        <a:font script="Syrc" typeface="Estrangelo Edessa"/>
+        <a:font script="Orya" typeface="Kalinga"/>
+        <a:font script="Mlym" typeface="Kartika"/>
+        <a:font script="Laoo" typeface="DokChampa"/>
+        <a:font script="Sinh" typeface="Iskoola Pota"/>
+        <a:font script="Mong" typeface="Mongolian Baiti"/>
+        <a:font script="Viet" typeface="Arial"/>
+        <a:font script="Uigh" typeface="Microsoft Uighur"/>
+        <a:font script="Geor" typeface="Sylfaen"/>
+      </a:minorFont>
+    </a:fontScheme>
+    <a:fmtScheme name="Office">
+      <a:fillStyleLst>
+        <a:solidFill>
+          <a:schemeClr val="phClr"/>
+        </a:solidFill>
+        <a:gradFill rotWithShape="1">
+          <a:gsLst>
+            <a:gs pos="0">
+              <a:schemeClr val="phClr">
+                <a:lumMod val="110000"/>
+                <a:satMod val="105000"/>
+                <a:tint val="67000"/>
+              </a:schemeClr>
+            </a:gs>
+            <a:gs pos="50000">
+              <a:schemeClr val="phClr">
+                <a:lumMod val="105000"/>
+                <a:satMod val="103000"/>
+                <a:tint val="73000"/>
+              </a:schemeClr>
+            </a:gs>
+            <a:gs pos="100000">
+              <a:schemeClr val="phClr">
+                <a:lumMod val="105000"/>
+                <a:satMod val="109000"/>
+                <a:tint val="81000"/>
+              </a:schemeClr>
+            </a:gs>
+          </a:gsLst>
+          <a:lin ang="5400000" scaled="0"/>
+        </a:gradFill>
+        <a:gradFill rotWithShape="1">
+          <a:gsLst>
+            <a:gs pos="0">
+              <a:schemeClr val="phClr">
+                <a:satMod val="103000"/>
+                <a:lumMod val="102000"/>
+                <a:tint val="94000"/>
+              </a:schemeClr>
+            </a:gs>
+            <a:gs pos="50000">
+              <a:schemeClr val="phClr">
+                <a:satMod val="110000"/>
+                <a:lumMod val="100000"/>
+                <a:shade val="100000"/>
+              </a:schemeClr>
+            </a:gs>
+            <a:gs pos="100000">
+              <a:schemeClr val="phClr">
+                <a:lumMod val="99000"/>
+                <a:satMod val="120000"/>
+                <a:shade val="78000"/>
+              </a:schemeClr>
+            </a:gs>
+          </a:gsLst>
+          <a:lin ang="5400000" scaled="0"/>
+        </a:gradFill>
+      </a:fillStyleLst>
+      <a:lnStyleLst>
+        <a:ln w="6350" cap="flat" cmpd="sng" algn="ctr">
+          <a:solidFill>
+            <a:schemeClr val="phClr"/>
+          </a:solidFill>
+          <a:prstDash val="solid"/>
+          <a:miter lim="800000"/>
+        </a:ln>
+        <a:ln w="12700" cap="flat" cmpd="sng" algn="ctr">
+          <a:solidFill>
+            <a:schemeClr val="phClr"/>
+          </a:solidFill>
+          <a:prstDash val="solid"/>
+          <a:miter lim="800000"/>
+        </a:ln>
+        <a:ln w="19050" cap="flat" cmpd="sng" algn="ctr">
+          <a:solidFill>
+            <a:schemeClr val="phClr"/>
+          </a:solidFill>
+          <a:prstDash val="solid"/>
+          <a:miter lim="800000"/>
+        </a:ln>
+      </a:lnStyleLst>
+      <a:effectStyleLst>
+        <a:effectStyle>
+          <a:effectLst/>
+        </a:effectStyle>
+        <a:effectStyle>
+          <a:effectLst/>
+        </a:effectStyle>
+        <a:effectStyle>
+          <a:effectLst>
+            <a:outerShdw blurRad="57150" dist="19050" dir="5400000" algn="ctr" rotWithShape="0">
+              <a:srgbClr val="000000">
+                <a:alpha val="63000"/>
+              </a:srgbClr>
+            </a:outerShdw>
+          </a:effectLst>
+        </a:effectStyle>
+      </a:effectStyleLst>
+      <a:bgFillStyleLst>
+        <a:solidFill>
+          <a:schemeClr val="phClr"/>
+        </a:solidFill>
+        <a:solidFill>
+          <a:schemeClr val="phClr">
+            <a:tint val="95000"/>
+            <a:satMod val="170000"/>
+          </a:schemeClr>
+        </a:solidFill>
+        <a:gradFill rotWithShape="1">
+          <a:gsLst>
+            <a:gs pos="0">
+              <a:schemeClr val="phClr">
+                <a:tint val="93000"/>
+                <a:satMod val="150000"/>
+                <a:shade val="98000"/>
+                <a:lumMod val="102000"/>
+              </a:schemeClr>
+            </a:gs>
+            <a:gs pos="50000">
+              <a:schemeClr val="phClr">
+                <a:tint val="98000"/>
+                <a:satMod val="130000"/>
+                <a:shade val="90000"/>
+                <a:lumMod val="103000"/>
+              </a:schemeClr>
+            </a:gs>
+            <a:gs pos="100000">
+              <a:schemeClr val="phClr">
+                <a:shade val="63000"/>
+                <a:satMod val="120000"/>
+              </a:schemeClr>
+            </a:gs>
+          </a:gsLst>
+          <a:lin ang="5400000" scaled="0"/>
+        </a:gradFill>
+      </a:bgFillStyleLst>
+    </a:fmtScheme>
+  </a:themeElements>
+  <a:objectDefaults/>
+  <a:extraClrSchemeLst/>
+  <a:extLst>
+    <a:ext uri="{05A4C25C-085E-4340-85A3-A5531E510DB2}">
+      <thm15:themeFamily xmlns:thm15="http://schemas.microsoft.com/office/thememl/2012/main" name="Office Theme" id="{62F939B6-93AF-4DB8-9C6B-D6C7DFDC589F}" vid="{4A3C46E8-61CC-4603-A589-7422A47A8E4A}"/>
+    </a:ext>
+  </a:extLst>
+</a:theme>
 </file>